--- a/images/ch2_TestSelection.pptx
+++ b/images/ch2_TestSelection.pptx
@@ -5,7 +5,7 @@
     <p:sldMasterId id="2147483648" r:id="rId1"/>
   </p:sldMasterIdLst>
   <p:sldIdLst>
-    <p:sldId id="257" r:id="rId2"/>
+    <p:sldId id="257" r:id="rId3"/>
   </p:sldIdLst>
   <p:sldSz cx="12192000" cy="6858000"/>
   <p:notesSz cx="6858000" cy="9144000"/>
@@ -104,11 +104,6 @@
       </a:defRPr>
     </a:lvl9pPr>
   </p:defaultTextStyle>
-  <p:extLst>
-    <p:ext uri="{EFAFB233-063F-42B5-8137-9DF3F51BA10A}">
-      <p15:sldGuideLst xmlns:p15="http://schemas.microsoft.com/office/powerpoint/2012/main"/>
-    </p:ext>
-  </p:extLst>
 </p:presentation>
 </file>
 
@@ -157,6 +152,7 @@
               <a:rPr lang="zh-CN" altLang="en-US"/>
               <a:t>单击此处编辑母版标题样式</a:t>
             </a:r>
+            <a:endParaRPr lang="zh-CN" altLang="en-US"/>
           </a:p>
         </p:txBody>
       </p:sp>
@@ -221,6 +217,7 @@
               <a:rPr lang="zh-CN" altLang="en-US"/>
               <a:t>单击此处编辑母版副标题样式</a:t>
             </a:r>
+            <a:endParaRPr lang="zh-CN" altLang="en-US"/>
           </a:p>
         </p:txBody>
       </p:sp>
@@ -241,7 +238,6 @@
           <a:p>
             <a:fld id="{D997B5FA-0921-464F-AAE1-844C04324D75}" type="datetimeFigureOut">
               <a:rPr lang="zh-CN" altLang="en-US" smtClean="0"/>
-              <a:t>2022/3/2</a:t>
             </a:fld>
             <a:endParaRPr lang="zh-CN" altLang="en-US"/>
           </a:p>
@@ -283,7 +279,6 @@
           <a:p>
             <a:fld id="{565CE74E-AB26-4998-AD42-012C4C1AD076}" type="slidenum">
               <a:rPr lang="zh-CN" altLang="en-US" smtClean="0"/>
-              <a:t>‹#›</a:t>
             </a:fld>
             <a:endParaRPr lang="zh-CN" altLang="en-US"/>
           </a:p>
@@ -333,6 +328,7 @@
               <a:rPr lang="zh-CN" altLang="en-US"/>
               <a:t>单击此处编辑母版标题样式</a:t>
             </a:r>
+            <a:endParaRPr lang="zh-CN" altLang="en-US"/>
           </a:p>
         </p:txBody>
       </p:sp>
@@ -356,6 +352,7 @@
               <a:rPr lang="zh-CN" altLang="en-US"/>
               <a:t>单击此处编辑母版文本样式</a:t>
             </a:r>
+            <a:endParaRPr lang="zh-CN" altLang="en-US"/>
           </a:p>
           <a:p>
             <a:pPr lvl="1"/>
@@ -363,6 +360,7 @@
               <a:rPr lang="zh-CN" altLang="en-US"/>
               <a:t>第二级</a:t>
             </a:r>
+            <a:endParaRPr lang="zh-CN" altLang="en-US"/>
           </a:p>
           <a:p>
             <a:pPr lvl="2"/>
@@ -370,6 +368,7 @@
               <a:rPr lang="zh-CN" altLang="en-US"/>
               <a:t>第三级</a:t>
             </a:r>
+            <a:endParaRPr lang="zh-CN" altLang="en-US"/>
           </a:p>
           <a:p>
             <a:pPr lvl="3"/>
@@ -377,6 +376,7 @@
               <a:rPr lang="zh-CN" altLang="en-US"/>
               <a:t>第四级</a:t>
             </a:r>
+            <a:endParaRPr lang="zh-CN" altLang="en-US"/>
           </a:p>
           <a:p>
             <a:pPr lvl="4"/>
@@ -384,6 +384,7 @@
               <a:rPr lang="zh-CN" altLang="en-US"/>
               <a:t>第五级</a:t>
             </a:r>
+            <a:endParaRPr lang="zh-CN" altLang="en-US"/>
           </a:p>
         </p:txBody>
       </p:sp>
@@ -404,7 +405,6 @@
           <a:p>
             <a:fld id="{D997B5FA-0921-464F-AAE1-844C04324D75}" type="datetimeFigureOut">
               <a:rPr lang="zh-CN" altLang="en-US" smtClean="0"/>
-              <a:t>2022/3/2</a:t>
             </a:fld>
             <a:endParaRPr lang="zh-CN" altLang="en-US"/>
           </a:p>
@@ -446,7 +446,6 @@
           <a:p>
             <a:fld id="{565CE74E-AB26-4998-AD42-012C4C1AD076}" type="slidenum">
               <a:rPr lang="zh-CN" altLang="en-US" smtClean="0"/>
-              <a:t>‹#›</a:t>
             </a:fld>
             <a:endParaRPr lang="zh-CN" altLang="en-US"/>
           </a:p>
@@ -501,6 +500,7 @@
               <a:rPr lang="zh-CN" altLang="en-US"/>
               <a:t>单击此处编辑母版标题样式</a:t>
             </a:r>
+            <a:endParaRPr lang="zh-CN" altLang="en-US"/>
           </a:p>
         </p:txBody>
       </p:sp>
@@ -529,6 +529,7 @@
               <a:rPr lang="zh-CN" altLang="en-US"/>
               <a:t>单击此处编辑母版文本样式</a:t>
             </a:r>
+            <a:endParaRPr lang="zh-CN" altLang="en-US"/>
           </a:p>
           <a:p>
             <a:pPr lvl="1"/>
@@ -536,6 +537,7 @@
               <a:rPr lang="zh-CN" altLang="en-US"/>
               <a:t>第二级</a:t>
             </a:r>
+            <a:endParaRPr lang="zh-CN" altLang="en-US"/>
           </a:p>
           <a:p>
             <a:pPr lvl="2"/>
@@ -543,6 +545,7 @@
               <a:rPr lang="zh-CN" altLang="en-US"/>
               <a:t>第三级</a:t>
             </a:r>
+            <a:endParaRPr lang="zh-CN" altLang="en-US"/>
           </a:p>
           <a:p>
             <a:pPr lvl="3"/>
@@ -550,6 +553,7 @@
               <a:rPr lang="zh-CN" altLang="en-US"/>
               <a:t>第四级</a:t>
             </a:r>
+            <a:endParaRPr lang="zh-CN" altLang="en-US"/>
           </a:p>
           <a:p>
             <a:pPr lvl="4"/>
@@ -557,6 +561,7 @@
               <a:rPr lang="zh-CN" altLang="en-US"/>
               <a:t>第五级</a:t>
             </a:r>
+            <a:endParaRPr lang="zh-CN" altLang="en-US"/>
           </a:p>
         </p:txBody>
       </p:sp>
@@ -577,7 +582,6 @@
           <a:p>
             <a:fld id="{D997B5FA-0921-464F-AAE1-844C04324D75}" type="datetimeFigureOut">
               <a:rPr lang="zh-CN" altLang="en-US" smtClean="0"/>
-              <a:t>2022/3/2</a:t>
             </a:fld>
             <a:endParaRPr lang="zh-CN" altLang="en-US"/>
           </a:p>
@@ -619,7 +623,6 @@
           <a:p>
             <a:fld id="{565CE74E-AB26-4998-AD42-012C4C1AD076}" type="slidenum">
               <a:rPr lang="zh-CN" altLang="en-US" smtClean="0"/>
-              <a:t>‹#›</a:t>
             </a:fld>
             <a:endParaRPr lang="zh-CN" altLang="en-US"/>
           </a:p>
@@ -669,6 +672,7 @@
               <a:rPr lang="zh-CN" altLang="en-US"/>
               <a:t>单击此处编辑母版标题样式</a:t>
             </a:r>
+            <a:endParaRPr lang="zh-CN" altLang="en-US"/>
           </a:p>
         </p:txBody>
       </p:sp>
@@ -692,6 +696,7 @@
               <a:rPr lang="zh-CN" altLang="en-US"/>
               <a:t>单击此处编辑母版文本样式</a:t>
             </a:r>
+            <a:endParaRPr lang="zh-CN" altLang="en-US"/>
           </a:p>
           <a:p>
             <a:pPr lvl="1"/>
@@ -699,6 +704,7 @@
               <a:rPr lang="zh-CN" altLang="en-US"/>
               <a:t>第二级</a:t>
             </a:r>
+            <a:endParaRPr lang="zh-CN" altLang="en-US"/>
           </a:p>
           <a:p>
             <a:pPr lvl="2"/>
@@ -706,6 +712,7 @@
               <a:rPr lang="zh-CN" altLang="en-US"/>
               <a:t>第三级</a:t>
             </a:r>
+            <a:endParaRPr lang="zh-CN" altLang="en-US"/>
           </a:p>
           <a:p>
             <a:pPr lvl="3"/>
@@ -713,6 +720,7 @@
               <a:rPr lang="zh-CN" altLang="en-US"/>
               <a:t>第四级</a:t>
             </a:r>
+            <a:endParaRPr lang="zh-CN" altLang="en-US"/>
           </a:p>
           <a:p>
             <a:pPr lvl="4"/>
@@ -720,6 +728,7 @@
               <a:rPr lang="zh-CN" altLang="en-US"/>
               <a:t>第五级</a:t>
             </a:r>
+            <a:endParaRPr lang="zh-CN" altLang="en-US"/>
           </a:p>
         </p:txBody>
       </p:sp>
@@ -740,7 +749,6 @@
           <a:p>
             <a:fld id="{D997B5FA-0921-464F-AAE1-844C04324D75}" type="datetimeFigureOut">
               <a:rPr lang="zh-CN" altLang="en-US" smtClean="0"/>
-              <a:t>2022/3/2</a:t>
             </a:fld>
             <a:endParaRPr lang="zh-CN" altLang="en-US"/>
           </a:p>
@@ -782,7 +790,6 @@
           <a:p>
             <a:fld id="{565CE74E-AB26-4998-AD42-012C4C1AD076}" type="slidenum">
               <a:rPr lang="zh-CN" altLang="en-US" smtClean="0"/>
-              <a:t>‹#›</a:t>
             </a:fld>
             <a:endParaRPr lang="zh-CN" altLang="en-US"/>
           </a:p>
@@ -841,6 +848,7 @@
               <a:rPr lang="zh-CN" altLang="en-US"/>
               <a:t>单击此处编辑母版标题样式</a:t>
             </a:r>
+            <a:endParaRPr lang="zh-CN" altLang="en-US"/>
           </a:p>
         </p:txBody>
       </p:sp>
@@ -960,6 +968,7 @@
               <a:rPr lang="zh-CN" altLang="en-US"/>
               <a:t>单击此处编辑母版文本样式</a:t>
             </a:r>
+            <a:endParaRPr lang="zh-CN" altLang="en-US"/>
           </a:p>
         </p:txBody>
       </p:sp>
@@ -980,7 +989,6 @@
           <a:p>
             <a:fld id="{D997B5FA-0921-464F-AAE1-844C04324D75}" type="datetimeFigureOut">
               <a:rPr lang="zh-CN" altLang="en-US" smtClean="0"/>
-              <a:t>2022/3/2</a:t>
             </a:fld>
             <a:endParaRPr lang="zh-CN" altLang="en-US"/>
           </a:p>
@@ -1022,7 +1030,6 @@
           <a:p>
             <a:fld id="{565CE74E-AB26-4998-AD42-012C4C1AD076}" type="slidenum">
               <a:rPr lang="zh-CN" altLang="en-US" smtClean="0"/>
-              <a:t>‹#›</a:t>
             </a:fld>
             <a:endParaRPr lang="zh-CN" altLang="en-US"/>
           </a:p>
@@ -1072,6 +1079,7 @@
               <a:rPr lang="zh-CN" altLang="en-US"/>
               <a:t>单击此处编辑母版标题样式</a:t>
             </a:r>
+            <a:endParaRPr lang="zh-CN" altLang="en-US"/>
           </a:p>
         </p:txBody>
       </p:sp>
@@ -1100,6 +1108,7 @@
               <a:rPr lang="zh-CN" altLang="en-US"/>
               <a:t>单击此处编辑母版文本样式</a:t>
             </a:r>
+            <a:endParaRPr lang="zh-CN" altLang="en-US"/>
           </a:p>
           <a:p>
             <a:pPr lvl="1"/>
@@ -1107,6 +1116,7 @@
               <a:rPr lang="zh-CN" altLang="en-US"/>
               <a:t>第二级</a:t>
             </a:r>
+            <a:endParaRPr lang="zh-CN" altLang="en-US"/>
           </a:p>
           <a:p>
             <a:pPr lvl="2"/>
@@ -1114,6 +1124,7 @@
               <a:rPr lang="zh-CN" altLang="en-US"/>
               <a:t>第三级</a:t>
             </a:r>
+            <a:endParaRPr lang="zh-CN" altLang="en-US"/>
           </a:p>
           <a:p>
             <a:pPr lvl="3"/>
@@ -1121,6 +1132,7 @@
               <a:rPr lang="zh-CN" altLang="en-US"/>
               <a:t>第四级</a:t>
             </a:r>
+            <a:endParaRPr lang="zh-CN" altLang="en-US"/>
           </a:p>
           <a:p>
             <a:pPr lvl="4"/>
@@ -1128,6 +1140,7 @@
               <a:rPr lang="zh-CN" altLang="en-US"/>
               <a:t>第五级</a:t>
             </a:r>
+            <a:endParaRPr lang="zh-CN" altLang="en-US"/>
           </a:p>
         </p:txBody>
       </p:sp>
@@ -1156,6 +1169,7 @@
               <a:rPr lang="zh-CN" altLang="en-US"/>
               <a:t>单击此处编辑母版文本样式</a:t>
             </a:r>
+            <a:endParaRPr lang="zh-CN" altLang="en-US"/>
           </a:p>
           <a:p>
             <a:pPr lvl="1"/>
@@ -1163,6 +1177,7 @@
               <a:rPr lang="zh-CN" altLang="en-US"/>
               <a:t>第二级</a:t>
             </a:r>
+            <a:endParaRPr lang="zh-CN" altLang="en-US"/>
           </a:p>
           <a:p>
             <a:pPr lvl="2"/>
@@ -1170,6 +1185,7 @@
               <a:rPr lang="zh-CN" altLang="en-US"/>
               <a:t>第三级</a:t>
             </a:r>
+            <a:endParaRPr lang="zh-CN" altLang="en-US"/>
           </a:p>
           <a:p>
             <a:pPr lvl="3"/>
@@ -1177,6 +1193,7 @@
               <a:rPr lang="zh-CN" altLang="en-US"/>
               <a:t>第四级</a:t>
             </a:r>
+            <a:endParaRPr lang="zh-CN" altLang="en-US"/>
           </a:p>
           <a:p>
             <a:pPr lvl="4"/>
@@ -1184,6 +1201,7 @@
               <a:rPr lang="zh-CN" altLang="en-US"/>
               <a:t>第五级</a:t>
             </a:r>
+            <a:endParaRPr lang="zh-CN" altLang="en-US"/>
           </a:p>
         </p:txBody>
       </p:sp>
@@ -1204,7 +1222,6 @@
           <a:p>
             <a:fld id="{D997B5FA-0921-464F-AAE1-844C04324D75}" type="datetimeFigureOut">
               <a:rPr lang="zh-CN" altLang="en-US" smtClean="0"/>
-              <a:t>2022/3/2</a:t>
             </a:fld>
             <a:endParaRPr lang="zh-CN" altLang="en-US"/>
           </a:p>
@@ -1246,7 +1263,6 @@
           <a:p>
             <a:fld id="{565CE74E-AB26-4998-AD42-012C4C1AD076}" type="slidenum">
               <a:rPr lang="zh-CN" altLang="en-US" smtClean="0"/>
-              <a:t>‹#›</a:t>
             </a:fld>
             <a:endParaRPr lang="zh-CN" altLang="en-US"/>
           </a:p>
@@ -1301,6 +1317,7 @@
               <a:rPr lang="zh-CN" altLang="en-US"/>
               <a:t>单击此处编辑母版标题样式</a:t>
             </a:r>
+            <a:endParaRPr lang="zh-CN" altLang="en-US"/>
           </a:p>
         </p:txBody>
       </p:sp>
@@ -1366,6 +1383,7 @@
               <a:rPr lang="zh-CN" altLang="en-US"/>
               <a:t>单击此处编辑母版文本样式</a:t>
             </a:r>
+            <a:endParaRPr lang="zh-CN" altLang="en-US"/>
           </a:p>
         </p:txBody>
       </p:sp>
@@ -1394,6 +1412,7 @@
               <a:rPr lang="zh-CN" altLang="en-US"/>
               <a:t>单击此处编辑母版文本样式</a:t>
             </a:r>
+            <a:endParaRPr lang="zh-CN" altLang="en-US"/>
           </a:p>
           <a:p>
             <a:pPr lvl="1"/>
@@ -1401,6 +1420,7 @@
               <a:rPr lang="zh-CN" altLang="en-US"/>
               <a:t>第二级</a:t>
             </a:r>
+            <a:endParaRPr lang="zh-CN" altLang="en-US"/>
           </a:p>
           <a:p>
             <a:pPr lvl="2"/>
@@ -1408,6 +1428,7 @@
               <a:rPr lang="zh-CN" altLang="en-US"/>
               <a:t>第三级</a:t>
             </a:r>
+            <a:endParaRPr lang="zh-CN" altLang="en-US"/>
           </a:p>
           <a:p>
             <a:pPr lvl="3"/>
@@ -1415,6 +1436,7 @@
               <a:rPr lang="zh-CN" altLang="en-US"/>
               <a:t>第四级</a:t>
             </a:r>
+            <a:endParaRPr lang="zh-CN" altLang="en-US"/>
           </a:p>
           <a:p>
             <a:pPr lvl="4"/>
@@ -1422,6 +1444,7 @@
               <a:rPr lang="zh-CN" altLang="en-US"/>
               <a:t>第五级</a:t>
             </a:r>
+            <a:endParaRPr lang="zh-CN" altLang="en-US"/>
           </a:p>
         </p:txBody>
       </p:sp>
@@ -1487,6 +1510,7 @@
               <a:rPr lang="zh-CN" altLang="en-US"/>
               <a:t>单击此处编辑母版文本样式</a:t>
             </a:r>
+            <a:endParaRPr lang="zh-CN" altLang="en-US"/>
           </a:p>
         </p:txBody>
       </p:sp>
@@ -1515,6 +1539,7 @@
               <a:rPr lang="zh-CN" altLang="en-US"/>
               <a:t>单击此处编辑母版文本样式</a:t>
             </a:r>
+            <a:endParaRPr lang="zh-CN" altLang="en-US"/>
           </a:p>
           <a:p>
             <a:pPr lvl="1"/>
@@ -1522,6 +1547,7 @@
               <a:rPr lang="zh-CN" altLang="en-US"/>
               <a:t>第二级</a:t>
             </a:r>
+            <a:endParaRPr lang="zh-CN" altLang="en-US"/>
           </a:p>
           <a:p>
             <a:pPr lvl="2"/>
@@ -1529,6 +1555,7 @@
               <a:rPr lang="zh-CN" altLang="en-US"/>
               <a:t>第三级</a:t>
             </a:r>
+            <a:endParaRPr lang="zh-CN" altLang="en-US"/>
           </a:p>
           <a:p>
             <a:pPr lvl="3"/>
@@ -1536,6 +1563,7 @@
               <a:rPr lang="zh-CN" altLang="en-US"/>
               <a:t>第四级</a:t>
             </a:r>
+            <a:endParaRPr lang="zh-CN" altLang="en-US"/>
           </a:p>
           <a:p>
             <a:pPr lvl="4"/>
@@ -1543,6 +1571,7 @@
               <a:rPr lang="zh-CN" altLang="en-US"/>
               <a:t>第五级</a:t>
             </a:r>
+            <a:endParaRPr lang="zh-CN" altLang="en-US"/>
           </a:p>
         </p:txBody>
       </p:sp>
@@ -1563,7 +1592,6 @@
           <a:p>
             <a:fld id="{D997B5FA-0921-464F-AAE1-844C04324D75}" type="datetimeFigureOut">
               <a:rPr lang="zh-CN" altLang="en-US" smtClean="0"/>
-              <a:t>2022/3/2</a:t>
             </a:fld>
             <a:endParaRPr lang="zh-CN" altLang="en-US"/>
           </a:p>
@@ -1605,7 +1633,6 @@
           <a:p>
             <a:fld id="{565CE74E-AB26-4998-AD42-012C4C1AD076}" type="slidenum">
               <a:rPr lang="zh-CN" altLang="en-US" smtClean="0"/>
-              <a:t>‹#›</a:t>
             </a:fld>
             <a:endParaRPr lang="zh-CN" altLang="en-US"/>
           </a:p>
@@ -1655,6 +1682,7 @@
               <a:rPr lang="zh-CN" altLang="en-US"/>
               <a:t>单击此处编辑母版标题样式</a:t>
             </a:r>
+            <a:endParaRPr lang="zh-CN" altLang="en-US"/>
           </a:p>
         </p:txBody>
       </p:sp>
@@ -1675,7 +1703,6 @@
           <a:p>
             <a:fld id="{D997B5FA-0921-464F-AAE1-844C04324D75}" type="datetimeFigureOut">
               <a:rPr lang="zh-CN" altLang="en-US" smtClean="0"/>
-              <a:t>2022/3/2</a:t>
             </a:fld>
             <a:endParaRPr lang="zh-CN" altLang="en-US"/>
           </a:p>
@@ -1717,7 +1744,6 @@
           <a:p>
             <a:fld id="{565CE74E-AB26-4998-AD42-012C4C1AD076}" type="slidenum">
               <a:rPr lang="zh-CN" altLang="en-US" smtClean="0"/>
-              <a:t>‹#›</a:t>
             </a:fld>
             <a:endParaRPr lang="zh-CN" altLang="en-US"/>
           </a:p>
@@ -1765,7 +1791,6 @@
           <a:p>
             <a:fld id="{D997B5FA-0921-464F-AAE1-844C04324D75}" type="datetimeFigureOut">
               <a:rPr lang="zh-CN" altLang="en-US" smtClean="0"/>
-              <a:t>2022/3/2</a:t>
             </a:fld>
             <a:endParaRPr lang="zh-CN" altLang="en-US"/>
           </a:p>
@@ -1807,7 +1832,6 @@
           <a:p>
             <a:fld id="{565CE74E-AB26-4998-AD42-012C4C1AD076}" type="slidenum">
               <a:rPr lang="zh-CN" altLang="en-US" smtClean="0"/>
-              <a:t>‹#›</a:t>
             </a:fld>
             <a:endParaRPr lang="zh-CN" altLang="en-US"/>
           </a:p>
@@ -1866,6 +1890,7 @@
               <a:rPr lang="zh-CN" altLang="en-US"/>
               <a:t>单击此处编辑母版标题样式</a:t>
             </a:r>
+            <a:endParaRPr lang="zh-CN" altLang="en-US"/>
           </a:p>
         </p:txBody>
       </p:sp>
@@ -1922,6 +1947,7 @@
               <a:rPr lang="zh-CN" altLang="en-US"/>
               <a:t>单击此处编辑母版文本样式</a:t>
             </a:r>
+            <a:endParaRPr lang="zh-CN" altLang="en-US"/>
           </a:p>
           <a:p>
             <a:pPr lvl="1"/>
@@ -1929,6 +1955,7 @@
               <a:rPr lang="zh-CN" altLang="en-US"/>
               <a:t>第二级</a:t>
             </a:r>
+            <a:endParaRPr lang="zh-CN" altLang="en-US"/>
           </a:p>
           <a:p>
             <a:pPr lvl="2"/>
@@ -1936,6 +1963,7 @@
               <a:rPr lang="zh-CN" altLang="en-US"/>
               <a:t>第三级</a:t>
             </a:r>
+            <a:endParaRPr lang="zh-CN" altLang="en-US"/>
           </a:p>
           <a:p>
             <a:pPr lvl="3"/>
@@ -1943,6 +1971,7 @@
               <a:rPr lang="zh-CN" altLang="en-US"/>
               <a:t>第四级</a:t>
             </a:r>
+            <a:endParaRPr lang="zh-CN" altLang="en-US"/>
           </a:p>
           <a:p>
             <a:pPr lvl="4"/>
@@ -1950,6 +1979,7 @@
               <a:rPr lang="zh-CN" altLang="en-US"/>
               <a:t>第五级</a:t>
             </a:r>
+            <a:endParaRPr lang="zh-CN" altLang="en-US"/>
           </a:p>
         </p:txBody>
       </p:sp>
@@ -2015,6 +2045,7 @@
               <a:rPr lang="zh-CN" altLang="en-US"/>
               <a:t>单击此处编辑母版文本样式</a:t>
             </a:r>
+            <a:endParaRPr lang="zh-CN" altLang="en-US"/>
           </a:p>
         </p:txBody>
       </p:sp>
@@ -2035,7 +2066,6 @@
           <a:p>
             <a:fld id="{D997B5FA-0921-464F-AAE1-844C04324D75}" type="datetimeFigureOut">
               <a:rPr lang="zh-CN" altLang="en-US" smtClean="0"/>
-              <a:t>2022/3/2</a:t>
             </a:fld>
             <a:endParaRPr lang="zh-CN" altLang="en-US"/>
           </a:p>
@@ -2077,7 +2107,6 @@
           <a:p>
             <a:fld id="{565CE74E-AB26-4998-AD42-012C4C1AD076}" type="slidenum">
               <a:rPr lang="zh-CN" altLang="en-US" smtClean="0"/>
-              <a:t>‹#›</a:t>
             </a:fld>
             <a:endParaRPr lang="zh-CN" altLang="en-US"/>
           </a:p>
@@ -2136,6 +2165,7 @@
               <a:rPr lang="zh-CN" altLang="en-US"/>
               <a:t>单击此处编辑母版标题样式</a:t>
             </a:r>
+            <a:endParaRPr lang="zh-CN" altLang="en-US"/>
           </a:p>
         </p:txBody>
       </p:sp>
@@ -2262,6 +2292,7 @@
               <a:rPr lang="zh-CN" altLang="en-US"/>
               <a:t>单击此处编辑母版文本样式</a:t>
             </a:r>
+            <a:endParaRPr lang="zh-CN" altLang="en-US"/>
           </a:p>
         </p:txBody>
       </p:sp>
@@ -2282,7 +2313,6 @@
           <a:p>
             <a:fld id="{D997B5FA-0921-464F-AAE1-844C04324D75}" type="datetimeFigureOut">
               <a:rPr lang="zh-CN" altLang="en-US" smtClean="0"/>
-              <a:t>2022/3/2</a:t>
             </a:fld>
             <a:endParaRPr lang="zh-CN" altLang="en-US"/>
           </a:p>
@@ -2324,7 +2354,6 @@
           <a:p>
             <a:fld id="{565CE74E-AB26-4998-AD42-012C4C1AD076}" type="slidenum">
               <a:rPr lang="zh-CN" altLang="en-US" smtClean="0"/>
-              <a:t>‹#›</a:t>
             </a:fld>
             <a:endParaRPr lang="zh-CN" altLang="en-US"/>
           </a:p>
@@ -2389,6 +2418,7 @@
               <a:rPr lang="zh-CN" altLang="en-US"/>
               <a:t>单击此处编辑母版标题样式</a:t>
             </a:r>
+            <a:endParaRPr lang="zh-CN" altLang="en-US"/>
           </a:p>
         </p:txBody>
       </p:sp>
@@ -2422,6 +2452,7 @@
               <a:rPr lang="zh-CN" altLang="en-US"/>
               <a:t>单击此处编辑母版文本样式</a:t>
             </a:r>
+            <a:endParaRPr lang="zh-CN" altLang="en-US"/>
           </a:p>
           <a:p>
             <a:pPr lvl="1"/>
@@ -2429,6 +2460,7 @@
               <a:rPr lang="zh-CN" altLang="en-US"/>
               <a:t>第二级</a:t>
             </a:r>
+            <a:endParaRPr lang="zh-CN" altLang="en-US"/>
           </a:p>
           <a:p>
             <a:pPr lvl="2"/>
@@ -2436,6 +2468,7 @@
               <a:rPr lang="zh-CN" altLang="en-US"/>
               <a:t>第三级</a:t>
             </a:r>
+            <a:endParaRPr lang="zh-CN" altLang="en-US"/>
           </a:p>
           <a:p>
             <a:pPr lvl="3"/>
@@ -2443,6 +2476,7 @@
               <a:rPr lang="zh-CN" altLang="en-US"/>
               <a:t>第四级</a:t>
             </a:r>
+            <a:endParaRPr lang="zh-CN" altLang="en-US"/>
           </a:p>
           <a:p>
             <a:pPr lvl="4"/>
@@ -2450,6 +2484,7 @@
               <a:rPr lang="zh-CN" altLang="en-US"/>
               <a:t>第五级</a:t>
             </a:r>
+            <a:endParaRPr lang="zh-CN" altLang="en-US"/>
           </a:p>
         </p:txBody>
       </p:sp>
@@ -2488,7 +2523,6 @@
           <a:p>
             <a:fld id="{D997B5FA-0921-464F-AAE1-844C04324D75}" type="datetimeFigureOut">
               <a:rPr lang="zh-CN" altLang="en-US" smtClean="0"/>
-              <a:t>2022/3/2</a:t>
             </a:fld>
             <a:endParaRPr lang="zh-CN" altLang="en-US"/>
           </a:p>
@@ -2566,7 +2600,6 @@
           <a:p>
             <a:fld id="{565CE74E-AB26-4998-AD42-012C4C1AD076}" type="slidenum">
               <a:rPr lang="zh-CN" altLang="en-US" smtClean="0"/>
-              <a:t>‹#›</a:t>
             </a:fld>
             <a:endParaRPr lang="zh-CN" altLang="en-US"/>
           </a:p>
@@ -4128,6 +4161,11 @@
               </a:rPr>
               <a:t>大规模无标注测试数据</a:t>
             </a:r>
+            <a:endParaRPr lang="zh-CN" altLang="en-US" sz="1400" dirty="0">
+              <a:latin typeface="宋体" panose="02010600030101010101" pitchFamily="2" charset="-122"/>
+              <a:ea typeface="宋体" panose="02010600030101010101" pitchFamily="2" charset="-122"/>
+              <a:cs typeface="宋体" panose="02010600030101010101" pitchFamily="2" charset="-122"/>
+            </a:endParaRPr>
           </a:p>
         </p:txBody>
       </p:sp>
@@ -4162,6 +4200,11 @@
               </a:rPr>
               <a:t>可解释蒸馏模型</a:t>
             </a:r>
+            <a:endParaRPr lang="zh-CN" altLang="en-US" sz="1400" dirty="0">
+              <a:latin typeface="宋体" panose="02010600030101010101" pitchFamily="2" charset="-122"/>
+              <a:ea typeface="宋体" panose="02010600030101010101" pitchFamily="2" charset="-122"/>
+              <a:sym typeface="+mn-ea"/>
+            </a:endParaRPr>
           </a:p>
         </p:txBody>
       </p:sp>
@@ -4171,13 +4214,7 @@
           <p:cNvGraphicFramePr>
             <a:graphicFrameLocks noGrp="1"/>
           </p:cNvGraphicFramePr>
-          <p:nvPr>
-            <p:extLst>
-              <p:ext uri="{D42A27DB-BD31-4B8C-83A1-F6EECF244321}">
-                <p14:modId xmlns:p14="http://schemas.microsoft.com/office/powerpoint/2010/main" val="2656744947"/>
-              </p:ext>
-            </p:extLst>
-          </p:nvPr>
+          <p:nvPr/>
         </p:nvGraphicFramePr>
         <p:xfrm>
           <a:off x="4202642" y="3185795"/>
@@ -4190,13 +4227,7 @@
                 <a:tableStyleId>{5940675A-B579-460E-94D1-54222C63F5DA}</a:tableStyleId>
               </a:tblPr>
               <a:tblGrid>
-                <a:gridCol w="719455">
-                  <a:extLst>
-                    <a:ext uri="{9D8B030D-6E8A-4147-A177-3AD203B41FA5}">
-                      <a16:colId xmlns:a16="http://schemas.microsoft.com/office/drawing/2014/main" val="20000"/>
-                    </a:ext>
-                  </a:extLst>
-                </a:gridCol>
+                <a:gridCol w="719455"/>
               </a:tblGrid>
               <a:tr h="0">
                 <a:tc>
@@ -4216,11 +4247,6 @@
                     </a:solidFill>
                   </a:tcPr>
                 </a:tc>
-                <a:extLst>
-                  <a:ext uri="{0D108BD9-81ED-4DB2-BD59-A6C34878D82A}">
-                    <a16:rowId xmlns:a16="http://schemas.microsoft.com/office/drawing/2014/main" val="10000"/>
-                  </a:ext>
-                </a:extLst>
               </a:tr>
               <a:tr h="0">
                 <a:tc>
@@ -4240,11 +4266,6 @@
                     </a:solidFill>
                   </a:tcPr>
                 </a:tc>
-                <a:extLst>
-                  <a:ext uri="{0D108BD9-81ED-4DB2-BD59-A6C34878D82A}">
-                    <a16:rowId xmlns:a16="http://schemas.microsoft.com/office/drawing/2014/main" val="10001"/>
-                  </a:ext>
-                </a:extLst>
               </a:tr>
               <a:tr h="0">
                 <a:tc>
@@ -4264,11 +4285,6 @@
                     </a:solidFill>
                   </a:tcPr>
                 </a:tc>
-                <a:extLst>
-                  <a:ext uri="{0D108BD9-81ED-4DB2-BD59-A6C34878D82A}">
-                    <a16:rowId xmlns:a16="http://schemas.microsoft.com/office/drawing/2014/main" val="10002"/>
-                  </a:ext>
-                </a:extLst>
               </a:tr>
               <a:tr h="0">
                 <a:tc>
@@ -4288,11 +4304,6 @@
                     </a:solidFill>
                   </a:tcPr>
                 </a:tc>
-                <a:extLst>
-                  <a:ext uri="{0D108BD9-81ED-4DB2-BD59-A6C34878D82A}">
-                    <a16:rowId xmlns:a16="http://schemas.microsoft.com/office/drawing/2014/main" val="10003"/>
-                  </a:ext>
-                </a:extLst>
               </a:tr>
             </a:tbl>
           </a:graphicData>
@@ -4503,6 +4514,14 @@
               </a:rPr>
               <a:t>a</a:t>
             </a:r>
+            <a:endParaRPr lang="en-US" altLang="zh-CN" sz="1200" i="1">
+              <a:solidFill>
+                <a:schemeClr val="tx1"/>
+              </a:solidFill>
+              <a:latin typeface="Times New Roman" panose="02020603050405020304" charset="0"/>
+              <a:ea typeface="宋体" panose="02010600030101010101" pitchFamily="2" charset="-122"/>
+              <a:cs typeface="Times New Roman" panose="02020603050405020304" charset="0"/>
+            </a:endParaRPr>
           </a:p>
         </p:txBody>
       </p:sp>
@@ -4660,6 +4679,13 @@
               </a:rPr>
               <a:t>b</a:t>
             </a:r>
+            <a:endParaRPr lang="en-US" altLang="zh-CN" sz="1200" i="1">
+              <a:solidFill>
+                <a:schemeClr val="tx1"/>
+              </a:solidFill>
+              <a:latin typeface="Times New Roman" panose="02020603050405020304" charset="0"/>
+              <a:cs typeface="Times New Roman" panose="02020603050405020304" charset="0"/>
+            </a:endParaRPr>
           </a:p>
         </p:txBody>
       </p:sp>
@@ -4817,6 +4843,13 @@
               </a:rPr>
               <a:t>c</a:t>
             </a:r>
+            <a:endParaRPr lang="en-US" altLang="zh-CN" sz="1200" i="1">
+              <a:solidFill>
+                <a:schemeClr val="tx1"/>
+              </a:solidFill>
+              <a:latin typeface="Times New Roman" panose="02020603050405020304" charset="0"/>
+              <a:cs typeface="Times New Roman" panose="02020603050405020304" charset="0"/>
+            </a:endParaRPr>
           </a:p>
         </p:txBody>
       </p:sp>
@@ -4974,6 +5007,13 @@
               </a:rPr>
               <a:t>e</a:t>
             </a:r>
+            <a:endParaRPr lang="en-US" altLang="zh-CN" sz="1200" i="1">
+              <a:solidFill>
+                <a:schemeClr val="tx1"/>
+              </a:solidFill>
+              <a:latin typeface="Times New Roman" panose="02020603050405020304" charset="0"/>
+              <a:cs typeface="Times New Roman" panose="02020603050405020304" charset="0"/>
+            </a:endParaRPr>
           </a:p>
         </p:txBody>
       </p:sp>
@@ -5131,6 +5171,13 @@
               </a:rPr>
               <a:t>g</a:t>
             </a:r>
+            <a:endParaRPr lang="en-US" altLang="zh-CN" sz="1200" i="1">
+              <a:solidFill>
+                <a:schemeClr val="tx1"/>
+              </a:solidFill>
+              <a:latin typeface="Times New Roman" panose="02020603050405020304" charset="0"/>
+              <a:cs typeface="Times New Roman" panose="02020603050405020304" charset="0"/>
+            </a:endParaRPr>
           </a:p>
         </p:txBody>
       </p:sp>
@@ -5286,6 +5333,13 @@
               </a:rPr>
               <a:t>d</a:t>
             </a:r>
+            <a:endParaRPr lang="en-US" altLang="zh-CN" sz="1200" i="1">
+              <a:solidFill>
+                <a:schemeClr val="tx1"/>
+              </a:solidFill>
+              <a:latin typeface="Times New Roman" panose="02020603050405020304" charset="0"/>
+              <a:cs typeface="Times New Roman" panose="02020603050405020304" charset="0"/>
+            </a:endParaRPr>
           </a:p>
         </p:txBody>
       </p:sp>
@@ -5441,6 +5495,13 @@
               </a:rPr>
               <a:t>f</a:t>
             </a:r>
+            <a:endParaRPr lang="en-US" altLang="zh-CN" sz="1200" i="1">
+              <a:solidFill>
+                <a:schemeClr val="tx1"/>
+              </a:solidFill>
+              <a:latin typeface="Times New Roman" panose="02020603050405020304" charset="0"/>
+              <a:cs typeface="Times New Roman" panose="02020603050405020304" charset="0"/>
+            </a:endParaRPr>
           </a:p>
         </p:txBody>
       </p:sp>
@@ -5596,6 +5657,13 @@
               </a:rPr>
               <a:t>h</a:t>
             </a:r>
+            <a:endParaRPr lang="en-US" altLang="zh-CN" sz="1200" i="1">
+              <a:solidFill>
+                <a:schemeClr val="tx1"/>
+              </a:solidFill>
+              <a:latin typeface="Times New Roman" panose="02020603050405020304" charset="0"/>
+              <a:cs typeface="Times New Roman" panose="02020603050405020304" charset="0"/>
+            </a:endParaRPr>
           </a:p>
         </p:txBody>
       </p:sp>
@@ -5751,6 +5819,13 @@
               </a:rPr>
               <a:t>i</a:t>
             </a:r>
+            <a:endParaRPr lang="en-US" altLang="zh-CN" sz="1200" i="1">
+              <a:solidFill>
+                <a:schemeClr val="tx1"/>
+              </a:solidFill>
+              <a:latin typeface="Times New Roman" panose="02020603050405020304" charset="0"/>
+              <a:cs typeface="Times New Roman" panose="02020603050405020304" charset="0"/>
+            </a:endParaRPr>
           </a:p>
         </p:txBody>
       </p:sp>
@@ -5906,6 +5981,13 @@
               </a:rPr>
               <a:t>j</a:t>
             </a:r>
+            <a:endParaRPr lang="en-US" altLang="zh-CN" sz="1200" i="1">
+              <a:solidFill>
+                <a:schemeClr val="tx1"/>
+              </a:solidFill>
+              <a:latin typeface="Times New Roman" panose="02020603050405020304" charset="0"/>
+              <a:cs typeface="Times New Roman" panose="02020603050405020304" charset="0"/>
+            </a:endParaRPr>
           </a:p>
         </p:txBody>
       </p:sp>
@@ -6061,6 +6143,13 @@
               </a:rPr>
               <a:t>k</a:t>
             </a:r>
+            <a:endParaRPr lang="en-US" altLang="zh-CN" sz="1200" i="1">
+              <a:solidFill>
+                <a:schemeClr val="tx1"/>
+              </a:solidFill>
+              <a:latin typeface="Times New Roman" panose="02020603050405020304" charset="0"/>
+              <a:cs typeface="Times New Roman" panose="02020603050405020304" charset="0"/>
+            </a:endParaRPr>
           </a:p>
         </p:txBody>
       </p:sp>
@@ -6664,6 +6753,14 @@
                 </a:rPr>
                 <a:t>a</a:t>
               </a:r>
+              <a:endParaRPr lang="en-US" altLang="zh-CN" sz="1200" i="1" dirty="0">
+                <a:solidFill>
+                  <a:schemeClr val="tx1"/>
+                </a:solidFill>
+                <a:latin typeface="Times New Roman" panose="02020603050405020304" charset="0"/>
+                <a:ea typeface="宋体" panose="02010600030101010101" pitchFamily="2" charset="-122"/>
+                <a:cs typeface="Times New Roman" panose="02020603050405020304" charset="0"/>
+              </a:endParaRPr>
             </a:p>
           </p:txBody>
         </p:sp>
@@ -6821,6 +6918,13 @@
                 </a:rPr>
                 <a:t>b</a:t>
               </a:r>
+              <a:endParaRPr lang="en-US" altLang="zh-CN" sz="1200" i="1">
+                <a:solidFill>
+                  <a:schemeClr val="tx1"/>
+                </a:solidFill>
+                <a:latin typeface="Times New Roman" panose="02020603050405020304" charset="0"/>
+                <a:cs typeface="Times New Roman" panose="02020603050405020304" charset="0"/>
+              </a:endParaRPr>
             </a:p>
           </p:txBody>
         </p:sp>
@@ -6978,6 +7082,13 @@
                 </a:rPr>
                 <a:t>e</a:t>
               </a:r>
+              <a:endParaRPr lang="en-US" altLang="zh-CN" sz="1200" i="1">
+                <a:solidFill>
+                  <a:schemeClr val="tx1"/>
+                </a:solidFill>
+                <a:latin typeface="Times New Roman" panose="02020603050405020304" charset="0"/>
+                <a:cs typeface="Times New Roman" panose="02020603050405020304" charset="0"/>
+              </a:endParaRPr>
             </a:p>
           </p:txBody>
         </p:sp>
@@ -7133,6 +7244,13 @@
                 </a:rPr>
                 <a:t>i</a:t>
               </a:r>
+              <a:endParaRPr lang="en-US" altLang="zh-CN" sz="1200" i="1">
+                <a:solidFill>
+                  <a:schemeClr val="tx1"/>
+                </a:solidFill>
+                <a:latin typeface="Times New Roman" panose="02020603050405020304" charset="0"/>
+                <a:cs typeface="Times New Roman" panose="02020603050405020304" charset="0"/>
+              </a:endParaRPr>
             </a:p>
           </p:txBody>
         </p:sp>
@@ -7428,6 +7546,14 @@
                 </a:rPr>
                 <a:t>a</a:t>
               </a:r>
+              <a:endParaRPr lang="en-US" altLang="zh-CN" sz="1200" i="1">
+                <a:solidFill>
+                  <a:schemeClr val="tx1"/>
+                </a:solidFill>
+                <a:latin typeface="Times New Roman" panose="02020603050405020304" charset="0"/>
+                <a:ea typeface="宋体" panose="02010600030101010101" pitchFamily="2" charset="-122"/>
+                <a:cs typeface="Times New Roman" panose="02020603050405020304" charset="0"/>
+              </a:endParaRPr>
             </a:p>
           </p:txBody>
         </p:sp>
@@ -7585,6 +7711,13 @@
                 </a:rPr>
                 <a:t>c</a:t>
               </a:r>
+              <a:endParaRPr lang="en-US" altLang="zh-CN" sz="1200" i="1" dirty="0">
+                <a:solidFill>
+                  <a:schemeClr val="tx1"/>
+                </a:solidFill>
+                <a:latin typeface="Times New Roman" panose="02020603050405020304" charset="0"/>
+                <a:cs typeface="Times New Roman" panose="02020603050405020304" charset="0"/>
+              </a:endParaRPr>
             </a:p>
           </p:txBody>
         </p:sp>
@@ -7740,6 +7873,13 @@
                 </a:rPr>
                 <a:t>f</a:t>
               </a:r>
+              <a:endParaRPr lang="en-US" altLang="zh-CN" sz="1200" i="1">
+                <a:solidFill>
+                  <a:schemeClr val="tx1"/>
+                </a:solidFill>
+                <a:latin typeface="Times New Roman" panose="02020603050405020304" charset="0"/>
+                <a:cs typeface="Times New Roman" panose="02020603050405020304" charset="0"/>
+              </a:endParaRPr>
             </a:p>
           </p:txBody>
         </p:sp>
@@ -7836,13 +7976,7 @@
           <p:cNvGraphicFramePr>
             <a:graphicFrameLocks noGrp="1"/>
           </p:cNvGraphicFramePr>
-          <p:nvPr>
-            <p:extLst>
-              <p:ext uri="{D42A27DB-BD31-4B8C-83A1-F6EECF244321}">
-                <p14:modId xmlns:p14="http://schemas.microsoft.com/office/powerpoint/2010/main" val="2206234781"/>
-              </p:ext>
-            </p:extLst>
-          </p:nvPr>
+          <p:nvPr/>
         </p:nvGraphicFramePr>
         <p:xfrm>
           <a:off x="5061797" y="3185795"/>
@@ -7855,13 +7989,7 @@
                 <a:tableStyleId>{5940675A-B579-460E-94D1-54222C63F5DA}</a:tableStyleId>
               </a:tblPr>
               <a:tblGrid>
-                <a:gridCol w="719455">
-                  <a:extLst>
-                    <a:ext uri="{9D8B030D-6E8A-4147-A177-3AD203B41FA5}">
-                      <a16:colId xmlns:a16="http://schemas.microsoft.com/office/drawing/2014/main" val="20000"/>
-                    </a:ext>
-                  </a:extLst>
-                </a:gridCol>
+                <a:gridCol w="719455"/>
               </a:tblGrid>
               <a:tr h="0">
                 <a:tc>
@@ -7881,11 +8009,6 @@
                     </a:solidFill>
                   </a:tcPr>
                 </a:tc>
-                <a:extLst>
-                  <a:ext uri="{0D108BD9-81ED-4DB2-BD59-A6C34878D82A}">
-                    <a16:rowId xmlns:a16="http://schemas.microsoft.com/office/drawing/2014/main" val="10000"/>
-                  </a:ext>
-                </a:extLst>
               </a:tr>
               <a:tr h="0">
                 <a:tc>
@@ -7905,11 +8028,6 @@
                     </a:solidFill>
                   </a:tcPr>
                 </a:tc>
-                <a:extLst>
-                  <a:ext uri="{0D108BD9-81ED-4DB2-BD59-A6C34878D82A}">
-                    <a16:rowId xmlns:a16="http://schemas.microsoft.com/office/drawing/2014/main" val="10001"/>
-                  </a:ext>
-                </a:extLst>
               </a:tr>
               <a:tr h="0">
                 <a:tc>
@@ -7929,11 +8047,6 @@
                     </a:solidFill>
                   </a:tcPr>
                 </a:tc>
-                <a:extLst>
-                  <a:ext uri="{0D108BD9-81ED-4DB2-BD59-A6C34878D82A}">
-                    <a16:rowId xmlns:a16="http://schemas.microsoft.com/office/drawing/2014/main" val="10002"/>
-                  </a:ext>
-                </a:extLst>
               </a:tr>
               <a:tr h="0">
                 <a:tc>
@@ -7953,11 +8066,6 @@
                     </a:solidFill>
                   </a:tcPr>
                 </a:tc>
-                <a:extLst>
-                  <a:ext uri="{0D108BD9-81ED-4DB2-BD59-A6C34878D82A}">
-                    <a16:rowId xmlns:a16="http://schemas.microsoft.com/office/drawing/2014/main" val="10003"/>
-                  </a:ext>
-                </a:extLst>
               </a:tr>
             </a:tbl>
           </a:graphicData>
@@ -7994,6 +8102,11 @@
               </a:rPr>
               <a:t>样本表示</a:t>
             </a:r>
+            <a:endParaRPr lang="zh-CN" altLang="en-US" sz="1400" dirty="0">
+              <a:latin typeface="宋体" panose="02010600030101010101" pitchFamily="2" charset="-122"/>
+              <a:ea typeface="宋体" panose="02010600030101010101" pitchFamily="2" charset="-122"/>
+              <a:sym typeface="+mn-ea"/>
+            </a:endParaRPr>
           </a:p>
         </p:txBody>
       </p:sp>
@@ -8006,10 +8119,10 @@
           <p:nvPr/>
         </p:nvPicPr>
         <p:blipFill>
-          <a:blip r:embed="rId2">
+          <a:blip r:embed="rId1">
             <a:extLst>
               <a:ext uri="{96DAC541-7B7A-43D3-8B79-37D633B846F1}">
-                <asvg:svgBlip xmlns:asvg="http://schemas.microsoft.com/office/drawing/2016/SVG/main" r:embed="rId3"/>
+                <asvg:svgBlip xmlns:asvg="http://schemas.microsoft.com/office/drawing/2016/SVG/main" r:embed="rId2"/>
               </a:ext>
             </a:extLst>
           </a:blip>
@@ -8230,10 +8343,10 @@
               <a:prstGeom prst="rect">
                 <a:avLst/>
               </a:prstGeom>
-              <a:blipFill>
-                <a:blip r:embed="rId4"/>
+              <a:blipFill rotWithShape="1">
+                <a:blip r:embed="rId3"/>
                 <a:stretch>
-                  <a:fillRect/>
+                  <a:fillRect l="-139" t="-83" r="139" b="83"/>
                 </a:stretch>
               </a:blipFill>
             </p:spPr>
@@ -8339,10 +8452,10 @@
               <a:prstGeom prst="rect">
                 <a:avLst/>
               </a:prstGeom>
-              <a:blipFill>
-                <a:blip r:embed="rId5"/>
+              <a:blipFill rotWithShape="1">
+                <a:blip r:embed="rId4"/>
                 <a:stretch>
-                  <a:fillRect b="-5769"/>
+                  <a:fillRect l="-40" t="-81" r="40" b="81"/>
                 </a:stretch>
               </a:blipFill>
             </p:spPr>
@@ -8520,7 +8633,6 @@
         <p:nvCxnSpPr>
           <p:cNvPr id="50" name="直接箭头连接符 49"/>
           <p:cNvCxnSpPr>
-            <a:cxnSpLocks/>
             <a:stCxn id="64" idx="3"/>
             <a:endCxn id="48" idx="1"/>
           </p:cNvCxnSpPr>
@@ -8591,6 +8703,11 @@
               </a:rPr>
               <a:t>测试集生成</a:t>
             </a:r>
+            <a:endParaRPr lang="zh-CN" altLang="en-US" sz="1400" dirty="0">
+              <a:latin typeface="宋体" panose="02010600030101010101" pitchFamily="2" charset="-122"/>
+              <a:ea typeface="宋体" panose="02010600030101010101" pitchFamily="2" charset="-122"/>
+              <a:sym typeface="+mn-ea"/>
+            </a:endParaRPr>
           </a:p>
         </p:txBody>
       </p:sp>
@@ -8639,6 +8756,11 @@
                 </a:rPr>
                 <a:t>模型性能</a:t>
               </a:r>
+              <a:endParaRPr lang="zh-CN" altLang="en-US" sz="1200" dirty="0">
+                <a:latin typeface="楷体" panose="02010609060101010101" charset="-122"/>
+                <a:ea typeface="楷体" panose="02010609060101010101" charset="-122"/>
+                <a:cs typeface="楷体" panose="02010609060101010101" charset="-122"/>
+              </a:endParaRPr>
             </a:p>
           </p:txBody>
         </p:sp>
@@ -10852,7 +10974,7 @@
             <p:nvPr/>
           </p:nvPicPr>
           <p:blipFill>
-            <a:blip r:embed="rId6"/>
+            <a:blip r:embed="rId5"/>
             <a:stretch>
               <a:fillRect/>
             </a:stretch>
@@ -10897,6 +11019,10 @@
                 </a:rPr>
                 <a:t>测试充分性</a:t>
               </a:r>
+              <a:endParaRPr lang="zh-CN" altLang="en-US" sz="1200" dirty="0">
+                <a:latin typeface="楷体" panose="02010609060101010101" charset="-122"/>
+                <a:ea typeface="楷体" panose="02010609060101010101" charset="-122"/>
+              </a:endParaRPr>
             </a:p>
           </p:txBody>
         </p:sp>
@@ -11598,6 +11724,10 @@
               </a:rPr>
               <a:t>代表性测试数据</a:t>
             </a:r>
+            <a:endParaRPr lang="zh-CN" altLang="en-US" sz="1200" dirty="0">
+              <a:latin typeface="楷体" panose="02010609060101010101" charset="-122"/>
+              <a:ea typeface="楷体" panose="02010609060101010101" charset="-122"/>
+            </a:endParaRPr>
           </a:p>
         </p:txBody>
       </p:sp>
@@ -11605,7 +11735,6 @@
         <p:nvCxnSpPr>
           <p:cNvPr id="95" name="肘形连接符 94"/>
           <p:cNvCxnSpPr>
-            <a:cxnSpLocks/>
             <a:stCxn id="44" idx="2"/>
             <a:endCxn id="64" idx="2"/>
           </p:cNvCxnSpPr>
@@ -11625,6 +11754,7 @@
             <a:solidFill>
               <a:schemeClr val="tx1"/>
             </a:solidFill>
+            <a:prstDash val="sysDot"/>
             <a:headEnd type="none"/>
             <a:tailEnd type="triangle" w="med" len="med"/>
           </a:ln>
@@ -11712,12 +11842,17 @@
             <a:pPr algn="ctr"/>
             <a:r>
               <a:rPr lang="zh-CN" altLang="en-US" sz="1400" dirty="0">
-                <a:latin typeface="宋体" panose="02010600030101010101" pitchFamily="2" charset="-122"/>
-                <a:ea typeface="宋体" panose="02010600030101010101" pitchFamily="2" charset="-122"/>
+                <a:latin typeface="楷体" panose="02010609060101010101" charset="-122"/>
+                <a:ea typeface="楷体" panose="02010609060101010101" charset="-122"/>
                 <a:sym typeface="+mn-ea"/>
               </a:rPr>
               <a:t>测试结果反馈</a:t>
             </a:r>
+            <a:endParaRPr lang="zh-CN" altLang="en-US" sz="1400" dirty="0">
+              <a:latin typeface="楷体" panose="02010609060101010101" charset="-122"/>
+              <a:ea typeface="楷体" panose="02010609060101010101" charset="-122"/>
+              <a:sym typeface="+mn-ea"/>
+            </a:endParaRPr>
           </a:p>
         </p:txBody>
       </p:sp>
@@ -11730,10 +11865,10 @@
           <p:nvPr/>
         </p:nvPicPr>
         <p:blipFill>
-          <a:blip r:embed="rId7">
+          <a:blip r:embed="rId6">
             <a:extLst>
               <a:ext uri="{96DAC541-7B7A-43D3-8B79-37D633B846F1}">
-                <asvg:svgBlip xmlns:asvg="http://schemas.microsoft.com/office/drawing/2016/SVG/main" r:embed="rId8"/>
+                <asvg:svgBlip xmlns:asvg="http://schemas.microsoft.com/office/drawing/2016/SVG/main" r:embed="rId7"/>
               </a:ext>
             </a:extLst>
           </a:blip>
@@ -11755,7 +11890,6 @@
         <p:nvCxnSpPr>
           <p:cNvPr id="128" name="直接箭头连接符 127"/>
           <p:cNvCxnSpPr>
-            <a:cxnSpLocks/>
             <a:stCxn id="44" idx="3"/>
             <a:endCxn id="127" idx="1"/>
           </p:cNvCxnSpPr>
@@ -11797,15 +11931,8 @@
       </p:cxnSp>
       <p:cxnSp>
         <p:nvCxnSpPr>
-          <p:cNvPr id="178" name="直接箭头连接符 177">
-            <a:extLst>
-              <a:ext uri="{FF2B5EF4-FFF2-40B4-BE49-F238E27FC236}">
-                <a16:creationId xmlns:a16="http://schemas.microsoft.com/office/drawing/2014/main" id="{0BCF4B88-F9E1-4D06-B4E4-2840FC2AB6C6}"/>
-              </a:ext>
-            </a:extLst>
-          </p:cNvPr>
+          <p:cNvPr id="178" name="直接箭头连接符 177"/>
           <p:cNvCxnSpPr>
-            <a:cxnSpLocks/>
             <a:stCxn id="245" idx="3"/>
             <a:endCxn id="64" idx="1"/>
           </p:cNvCxnSpPr>
@@ -11847,13 +11974,7 @@
       </p:cxnSp>
       <p:sp>
         <p:nvSpPr>
-          <p:cNvPr id="181" name="文本框 180">
-            <a:extLst>
-              <a:ext uri="{FF2B5EF4-FFF2-40B4-BE49-F238E27FC236}">
-                <a16:creationId xmlns:a16="http://schemas.microsoft.com/office/drawing/2014/main" id="{3AFF6FDB-D216-43B4-9444-742C8FFD385F}"/>
-              </a:ext>
-            </a:extLst>
-          </p:cNvPr>
+          <p:cNvPr id="181" name="文本框 180"/>
           <p:cNvSpPr txBox="1"/>
           <p:nvPr/>
         </p:nvSpPr>
@@ -12149,8 +12270,6 @@
       </a:bgFillStyleLst>
     </a:fmtScheme>
   </a:themeElements>
-  <a:objectDefaults/>
-  <a:extraClrSchemeLst/>
   <a:extLst>
     <a:ext uri="{05A4C25C-085E-4340-85A3-A5531E510DB2}">
       <thm15:themeFamily xmlns:thm15="http://schemas.microsoft.com/office/thememl/2012/main" name="Office Theme" id="{62F939B6-93AF-4DB8-9C6B-D6C7DFDC589F}" vid="{4A3C46E8-61CC-4603-A589-7422A47A8E4A}"/>

--- a/images/ch2_TestSelection.pptx
+++ b/images/ch2_TestSelection.pptx
@@ -5,7 +5,7 @@
     <p:sldMasterId id="2147483648" r:id="rId1"/>
   </p:sldMasterIdLst>
   <p:sldIdLst>
-    <p:sldId id="257" r:id="rId3"/>
+    <p:sldId id="257" r:id="rId2"/>
   </p:sldIdLst>
   <p:sldSz cx="12192000" cy="6858000"/>
   <p:notesSz cx="6858000" cy="9144000"/>
@@ -104,6 +104,11 @@
       </a:defRPr>
     </a:lvl9pPr>
   </p:defaultTextStyle>
+  <p:extLst>
+    <p:ext uri="{EFAFB233-063F-42B5-8137-9DF3F51BA10A}">
+      <p15:sldGuideLst xmlns:p15="http://schemas.microsoft.com/office/powerpoint/2012/main"/>
+    </p:ext>
+  </p:extLst>
 </p:presentation>
 </file>
 
@@ -152,7 +157,6 @@
               <a:rPr lang="zh-CN" altLang="en-US"/>
               <a:t>单击此处编辑母版标题样式</a:t>
             </a:r>
-            <a:endParaRPr lang="zh-CN" altLang="en-US"/>
           </a:p>
         </p:txBody>
       </p:sp>
@@ -217,7 +221,6 @@
               <a:rPr lang="zh-CN" altLang="en-US"/>
               <a:t>单击此处编辑母版副标题样式</a:t>
             </a:r>
-            <a:endParaRPr lang="zh-CN" altLang="en-US"/>
           </a:p>
         </p:txBody>
       </p:sp>
@@ -238,6 +241,7 @@
           <a:p>
             <a:fld id="{D997B5FA-0921-464F-AAE1-844C04324D75}" type="datetimeFigureOut">
               <a:rPr lang="zh-CN" altLang="en-US" smtClean="0"/>
+              <a:t>2022/3/13</a:t>
             </a:fld>
             <a:endParaRPr lang="zh-CN" altLang="en-US"/>
           </a:p>
@@ -279,6 +283,7 @@
           <a:p>
             <a:fld id="{565CE74E-AB26-4998-AD42-012C4C1AD076}" type="slidenum">
               <a:rPr lang="zh-CN" altLang="en-US" smtClean="0"/>
+              <a:t>‹#›</a:t>
             </a:fld>
             <a:endParaRPr lang="zh-CN" altLang="en-US"/>
           </a:p>
@@ -328,7 +333,6 @@
               <a:rPr lang="zh-CN" altLang="en-US"/>
               <a:t>单击此处编辑母版标题样式</a:t>
             </a:r>
-            <a:endParaRPr lang="zh-CN" altLang="en-US"/>
           </a:p>
         </p:txBody>
       </p:sp>
@@ -352,7 +356,6 @@
               <a:rPr lang="zh-CN" altLang="en-US"/>
               <a:t>单击此处编辑母版文本样式</a:t>
             </a:r>
-            <a:endParaRPr lang="zh-CN" altLang="en-US"/>
           </a:p>
           <a:p>
             <a:pPr lvl="1"/>
@@ -360,7 +363,6 @@
               <a:rPr lang="zh-CN" altLang="en-US"/>
               <a:t>第二级</a:t>
             </a:r>
-            <a:endParaRPr lang="zh-CN" altLang="en-US"/>
           </a:p>
           <a:p>
             <a:pPr lvl="2"/>
@@ -368,7 +370,6 @@
               <a:rPr lang="zh-CN" altLang="en-US"/>
               <a:t>第三级</a:t>
             </a:r>
-            <a:endParaRPr lang="zh-CN" altLang="en-US"/>
           </a:p>
           <a:p>
             <a:pPr lvl="3"/>
@@ -376,7 +377,6 @@
               <a:rPr lang="zh-CN" altLang="en-US"/>
               <a:t>第四级</a:t>
             </a:r>
-            <a:endParaRPr lang="zh-CN" altLang="en-US"/>
           </a:p>
           <a:p>
             <a:pPr lvl="4"/>
@@ -384,7 +384,6 @@
               <a:rPr lang="zh-CN" altLang="en-US"/>
               <a:t>第五级</a:t>
             </a:r>
-            <a:endParaRPr lang="zh-CN" altLang="en-US"/>
           </a:p>
         </p:txBody>
       </p:sp>
@@ -405,6 +404,7 @@
           <a:p>
             <a:fld id="{D997B5FA-0921-464F-AAE1-844C04324D75}" type="datetimeFigureOut">
               <a:rPr lang="zh-CN" altLang="en-US" smtClean="0"/>
+              <a:t>2022/3/13</a:t>
             </a:fld>
             <a:endParaRPr lang="zh-CN" altLang="en-US"/>
           </a:p>
@@ -446,6 +446,7 @@
           <a:p>
             <a:fld id="{565CE74E-AB26-4998-AD42-012C4C1AD076}" type="slidenum">
               <a:rPr lang="zh-CN" altLang="en-US" smtClean="0"/>
+              <a:t>‹#›</a:t>
             </a:fld>
             <a:endParaRPr lang="zh-CN" altLang="en-US"/>
           </a:p>
@@ -500,7 +501,6 @@
               <a:rPr lang="zh-CN" altLang="en-US"/>
               <a:t>单击此处编辑母版标题样式</a:t>
             </a:r>
-            <a:endParaRPr lang="zh-CN" altLang="en-US"/>
           </a:p>
         </p:txBody>
       </p:sp>
@@ -529,7 +529,6 @@
               <a:rPr lang="zh-CN" altLang="en-US"/>
               <a:t>单击此处编辑母版文本样式</a:t>
             </a:r>
-            <a:endParaRPr lang="zh-CN" altLang="en-US"/>
           </a:p>
           <a:p>
             <a:pPr lvl="1"/>
@@ -537,7 +536,6 @@
               <a:rPr lang="zh-CN" altLang="en-US"/>
               <a:t>第二级</a:t>
             </a:r>
-            <a:endParaRPr lang="zh-CN" altLang="en-US"/>
           </a:p>
           <a:p>
             <a:pPr lvl="2"/>
@@ -545,7 +543,6 @@
               <a:rPr lang="zh-CN" altLang="en-US"/>
               <a:t>第三级</a:t>
             </a:r>
-            <a:endParaRPr lang="zh-CN" altLang="en-US"/>
           </a:p>
           <a:p>
             <a:pPr lvl="3"/>
@@ -553,7 +550,6 @@
               <a:rPr lang="zh-CN" altLang="en-US"/>
               <a:t>第四级</a:t>
             </a:r>
-            <a:endParaRPr lang="zh-CN" altLang="en-US"/>
           </a:p>
           <a:p>
             <a:pPr lvl="4"/>
@@ -561,7 +557,6 @@
               <a:rPr lang="zh-CN" altLang="en-US"/>
               <a:t>第五级</a:t>
             </a:r>
-            <a:endParaRPr lang="zh-CN" altLang="en-US"/>
           </a:p>
         </p:txBody>
       </p:sp>
@@ -582,6 +577,7 @@
           <a:p>
             <a:fld id="{D997B5FA-0921-464F-AAE1-844C04324D75}" type="datetimeFigureOut">
               <a:rPr lang="zh-CN" altLang="en-US" smtClean="0"/>
+              <a:t>2022/3/13</a:t>
             </a:fld>
             <a:endParaRPr lang="zh-CN" altLang="en-US"/>
           </a:p>
@@ -623,6 +619,7 @@
           <a:p>
             <a:fld id="{565CE74E-AB26-4998-AD42-012C4C1AD076}" type="slidenum">
               <a:rPr lang="zh-CN" altLang="en-US" smtClean="0"/>
+              <a:t>‹#›</a:t>
             </a:fld>
             <a:endParaRPr lang="zh-CN" altLang="en-US"/>
           </a:p>
@@ -672,7 +669,6 @@
               <a:rPr lang="zh-CN" altLang="en-US"/>
               <a:t>单击此处编辑母版标题样式</a:t>
             </a:r>
-            <a:endParaRPr lang="zh-CN" altLang="en-US"/>
           </a:p>
         </p:txBody>
       </p:sp>
@@ -696,7 +692,6 @@
               <a:rPr lang="zh-CN" altLang="en-US"/>
               <a:t>单击此处编辑母版文本样式</a:t>
             </a:r>
-            <a:endParaRPr lang="zh-CN" altLang="en-US"/>
           </a:p>
           <a:p>
             <a:pPr lvl="1"/>
@@ -704,7 +699,6 @@
               <a:rPr lang="zh-CN" altLang="en-US"/>
               <a:t>第二级</a:t>
             </a:r>
-            <a:endParaRPr lang="zh-CN" altLang="en-US"/>
           </a:p>
           <a:p>
             <a:pPr lvl="2"/>
@@ -712,7 +706,6 @@
               <a:rPr lang="zh-CN" altLang="en-US"/>
               <a:t>第三级</a:t>
             </a:r>
-            <a:endParaRPr lang="zh-CN" altLang="en-US"/>
           </a:p>
           <a:p>
             <a:pPr lvl="3"/>
@@ -720,7 +713,6 @@
               <a:rPr lang="zh-CN" altLang="en-US"/>
               <a:t>第四级</a:t>
             </a:r>
-            <a:endParaRPr lang="zh-CN" altLang="en-US"/>
           </a:p>
           <a:p>
             <a:pPr lvl="4"/>
@@ -728,7 +720,6 @@
               <a:rPr lang="zh-CN" altLang="en-US"/>
               <a:t>第五级</a:t>
             </a:r>
-            <a:endParaRPr lang="zh-CN" altLang="en-US"/>
           </a:p>
         </p:txBody>
       </p:sp>
@@ -749,6 +740,7 @@
           <a:p>
             <a:fld id="{D997B5FA-0921-464F-AAE1-844C04324D75}" type="datetimeFigureOut">
               <a:rPr lang="zh-CN" altLang="en-US" smtClean="0"/>
+              <a:t>2022/3/13</a:t>
             </a:fld>
             <a:endParaRPr lang="zh-CN" altLang="en-US"/>
           </a:p>
@@ -790,6 +782,7 @@
           <a:p>
             <a:fld id="{565CE74E-AB26-4998-AD42-012C4C1AD076}" type="slidenum">
               <a:rPr lang="zh-CN" altLang="en-US" smtClean="0"/>
+              <a:t>‹#›</a:t>
             </a:fld>
             <a:endParaRPr lang="zh-CN" altLang="en-US"/>
           </a:p>
@@ -848,7 +841,6 @@
               <a:rPr lang="zh-CN" altLang="en-US"/>
               <a:t>单击此处编辑母版标题样式</a:t>
             </a:r>
-            <a:endParaRPr lang="zh-CN" altLang="en-US"/>
           </a:p>
         </p:txBody>
       </p:sp>
@@ -968,7 +960,6 @@
               <a:rPr lang="zh-CN" altLang="en-US"/>
               <a:t>单击此处编辑母版文本样式</a:t>
             </a:r>
-            <a:endParaRPr lang="zh-CN" altLang="en-US"/>
           </a:p>
         </p:txBody>
       </p:sp>
@@ -989,6 +980,7 @@
           <a:p>
             <a:fld id="{D997B5FA-0921-464F-AAE1-844C04324D75}" type="datetimeFigureOut">
               <a:rPr lang="zh-CN" altLang="en-US" smtClean="0"/>
+              <a:t>2022/3/13</a:t>
             </a:fld>
             <a:endParaRPr lang="zh-CN" altLang="en-US"/>
           </a:p>
@@ -1030,6 +1022,7 @@
           <a:p>
             <a:fld id="{565CE74E-AB26-4998-AD42-012C4C1AD076}" type="slidenum">
               <a:rPr lang="zh-CN" altLang="en-US" smtClean="0"/>
+              <a:t>‹#›</a:t>
             </a:fld>
             <a:endParaRPr lang="zh-CN" altLang="en-US"/>
           </a:p>
@@ -1079,7 +1072,6 @@
               <a:rPr lang="zh-CN" altLang="en-US"/>
               <a:t>单击此处编辑母版标题样式</a:t>
             </a:r>
-            <a:endParaRPr lang="zh-CN" altLang="en-US"/>
           </a:p>
         </p:txBody>
       </p:sp>
@@ -1108,7 +1100,6 @@
               <a:rPr lang="zh-CN" altLang="en-US"/>
               <a:t>单击此处编辑母版文本样式</a:t>
             </a:r>
-            <a:endParaRPr lang="zh-CN" altLang="en-US"/>
           </a:p>
           <a:p>
             <a:pPr lvl="1"/>
@@ -1116,7 +1107,6 @@
               <a:rPr lang="zh-CN" altLang="en-US"/>
               <a:t>第二级</a:t>
             </a:r>
-            <a:endParaRPr lang="zh-CN" altLang="en-US"/>
           </a:p>
           <a:p>
             <a:pPr lvl="2"/>
@@ -1124,7 +1114,6 @@
               <a:rPr lang="zh-CN" altLang="en-US"/>
               <a:t>第三级</a:t>
             </a:r>
-            <a:endParaRPr lang="zh-CN" altLang="en-US"/>
           </a:p>
           <a:p>
             <a:pPr lvl="3"/>
@@ -1132,7 +1121,6 @@
               <a:rPr lang="zh-CN" altLang="en-US"/>
               <a:t>第四级</a:t>
             </a:r>
-            <a:endParaRPr lang="zh-CN" altLang="en-US"/>
           </a:p>
           <a:p>
             <a:pPr lvl="4"/>
@@ -1140,7 +1128,6 @@
               <a:rPr lang="zh-CN" altLang="en-US"/>
               <a:t>第五级</a:t>
             </a:r>
-            <a:endParaRPr lang="zh-CN" altLang="en-US"/>
           </a:p>
         </p:txBody>
       </p:sp>
@@ -1169,7 +1156,6 @@
               <a:rPr lang="zh-CN" altLang="en-US"/>
               <a:t>单击此处编辑母版文本样式</a:t>
             </a:r>
-            <a:endParaRPr lang="zh-CN" altLang="en-US"/>
           </a:p>
           <a:p>
             <a:pPr lvl="1"/>
@@ -1177,7 +1163,6 @@
               <a:rPr lang="zh-CN" altLang="en-US"/>
               <a:t>第二级</a:t>
             </a:r>
-            <a:endParaRPr lang="zh-CN" altLang="en-US"/>
           </a:p>
           <a:p>
             <a:pPr lvl="2"/>
@@ -1185,7 +1170,6 @@
               <a:rPr lang="zh-CN" altLang="en-US"/>
               <a:t>第三级</a:t>
             </a:r>
-            <a:endParaRPr lang="zh-CN" altLang="en-US"/>
           </a:p>
           <a:p>
             <a:pPr lvl="3"/>
@@ -1193,7 +1177,6 @@
               <a:rPr lang="zh-CN" altLang="en-US"/>
               <a:t>第四级</a:t>
             </a:r>
-            <a:endParaRPr lang="zh-CN" altLang="en-US"/>
           </a:p>
           <a:p>
             <a:pPr lvl="4"/>
@@ -1201,7 +1184,6 @@
               <a:rPr lang="zh-CN" altLang="en-US"/>
               <a:t>第五级</a:t>
             </a:r>
-            <a:endParaRPr lang="zh-CN" altLang="en-US"/>
           </a:p>
         </p:txBody>
       </p:sp>
@@ -1222,6 +1204,7 @@
           <a:p>
             <a:fld id="{D997B5FA-0921-464F-AAE1-844C04324D75}" type="datetimeFigureOut">
               <a:rPr lang="zh-CN" altLang="en-US" smtClean="0"/>
+              <a:t>2022/3/13</a:t>
             </a:fld>
             <a:endParaRPr lang="zh-CN" altLang="en-US"/>
           </a:p>
@@ -1263,6 +1246,7 @@
           <a:p>
             <a:fld id="{565CE74E-AB26-4998-AD42-012C4C1AD076}" type="slidenum">
               <a:rPr lang="zh-CN" altLang="en-US" smtClean="0"/>
+              <a:t>‹#›</a:t>
             </a:fld>
             <a:endParaRPr lang="zh-CN" altLang="en-US"/>
           </a:p>
@@ -1317,7 +1301,6 @@
               <a:rPr lang="zh-CN" altLang="en-US"/>
               <a:t>单击此处编辑母版标题样式</a:t>
             </a:r>
-            <a:endParaRPr lang="zh-CN" altLang="en-US"/>
           </a:p>
         </p:txBody>
       </p:sp>
@@ -1383,7 +1366,6 @@
               <a:rPr lang="zh-CN" altLang="en-US"/>
               <a:t>单击此处编辑母版文本样式</a:t>
             </a:r>
-            <a:endParaRPr lang="zh-CN" altLang="en-US"/>
           </a:p>
         </p:txBody>
       </p:sp>
@@ -1412,7 +1394,6 @@
               <a:rPr lang="zh-CN" altLang="en-US"/>
               <a:t>单击此处编辑母版文本样式</a:t>
             </a:r>
-            <a:endParaRPr lang="zh-CN" altLang="en-US"/>
           </a:p>
           <a:p>
             <a:pPr lvl="1"/>
@@ -1420,7 +1401,6 @@
               <a:rPr lang="zh-CN" altLang="en-US"/>
               <a:t>第二级</a:t>
             </a:r>
-            <a:endParaRPr lang="zh-CN" altLang="en-US"/>
           </a:p>
           <a:p>
             <a:pPr lvl="2"/>
@@ -1428,7 +1408,6 @@
               <a:rPr lang="zh-CN" altLang="en-US"/>
               <a:t>第三级</a:t>
             </a:r>
-            <a:endParaRPr lang="zh-CN" altLang="en-US"/>
           </a:p>
           <a:p>
             <a:pPr lvl="3"/>
@@ -1436,7 +1415,6 @@
               <a:rPr lang="zh-CN" altLang="en-US"/>
               <a:t>第四级</a:t>
             </a:r>
-            <a:endParaRPr lang="zh-CN" altLang="en-US"/>
           </a:p>
           <a:p>
             <a:pPr lvl="4"/>
@@ -1444,7 +1422,6 @@
               <a:rPr lang="zh-CN" altLang="en-US"/>
               <a:t>第五级</a:t>
             </a:r>
-            <a:endParaRPr lang="zh-CN" altLang="en-US"/>
           </a:p>
         </p:txBody>
       </p:sp>
@@ -1510,7 +1487,6 @@
               <a:rPr lang="zh-CN" altLang="en-US"/>
               <a:t>单击此处编辑母版文本样式</a:t>
             </a:r>
-            <a:endParaRPr lang="zh-CN" altLang="en-US"/>
           </a:p>
         </p:txBody>
       </p:sp>
@@ -1539,7 +1515,6 @@
               <a:rPr lang="zh-CN" altLang="en-US"/>
               <a:t>单击此处编辑母版文本样式</a:t>
             </a:r>
-            <a:endParaRPr lang="zh-CN" altLang="en-US"/>
           </a:p>
           <a:p>
             <a:pPr lvl="1"/>
@@ -1547,7 +1522,6 @@
               <a:rPr lang="zh-CN" altLang="en-US"/>
               <a:t>第二级</a:t>
             </a:r>
-            <a:endParaRPr lang="zh-CN" altLang="en-US"/>
           </a:p>
           <a:p>
             <a:pPr lvl="2"/>
@@ -1555,7 +1529,6 @@
               <a:rPr lang="zh-CN" altLang="en-US"/>
               <a:t>第三级</a:t>
             </a:r>
-            <a:endParaRPr lang="zh-CN" altLang="en-US"/>
           </a:p>
           <a:p>
             <a:pPr lvl="3"/>
@@ -1563,7 +1536,6 @@
               <a:rPr lang="zh-CN" altLang="en-US"/>
               <a:t>第四级</a:t>
             </a:r>
-            <a:endParaRPr lang="zh-CN" altLang="en-US"/>
           </a:p>
           <a:p>
             <a:pPr lvl="4"/>
@@ -1571,7 +1543,6 @@
               <a:rPr lang="zh-CN" altLang="en-US"/>
               <a:t>第五级</a:t>
             </a:r>
-            <a:endParaRPr lang="zh-CN" altLang="en-US"/>
           </a:p>
         </p:txBody>
       </p:sp>
@@ -1592,6 +1563,7 @@
           <a:p>
             <a:fld id="{D997B5FA-0921-464F-AAE1-844C04324D75}" type="datetimeFigureOut">
               <a:rPr lang="zh-CN" altLang="en-US" smtClean="0"/>
+              <a:t>2022/3/13</a:t>
             </a:fld>
             <a:endParaRPr lang="zh-CN" altLang="en-US"/>
           </a:p>
@@ -1633,6 +1605,7 @@
           <a:p>
             <a:fld id="{565CE74E-AB26-4998-AD42-012C4C1AD076}" type="slidenum">
               <a:rPr lang="zh-CN" altLang="en-US" smtClean="0"/>
+              <a:t>‹#›</a:t>
             </a:fld>
             <a:endParaRPr lang="zh-CN" altLang="en-US"/>
           </a:p>
@@ -1682,7 +1655,6 @@
               <a:rPr lang="zh-CN" altLang="en-US"/>
               <a:t>单击此处编辑母版标题样式</a:t>
             </a:r>
-            <a:endParaRPr lang="zh-CN" altLang="en-US"/>
           </a:p>
         </p:txBody>
       </p:sp>
@@ -1703,6 +1675,7 @@
           <a:p>
             <a:fld id="{D997B5FA-0921-464F-AAE1-844C04324D75}" type="datetimeFigureOut">
               <a:rPr lang="zh-CN" altLang="en-US" smtClean="0"/>
+              <a:t>2022/3/13</a:t>
             </a:fld>
             <a:endParaRPr lang="zh-CN" altLang="en-US"/>
           </a:p>
@@ -1744,6 +1717,7 @@
           <a:p>
             <a:fld id="{565CE74E-AB26-4998-AD42-012C4C1AD076}" type="slidenum">
               <a:rPr lang="zh-CN" altLang="en-US" smtClean="0"/>
+              <a:t>‹#›</a:t>
             </a:fld>
             <a:endParaRPr lang="zh-CN" altLang="en-US"/>
           </a:p>
@@ -1791,6 +1765,7 @@
           <a:p>
             <a:fld id="{D997B5FA-0921-464F-AAE1-844C04324D75}" type="datetimeFigureOut">
               <a:rPr lang="zh-CN" altLang="en-US" smtClean="0"/>
+              <a:t>2022/3/13</a:t>
             </a:fld>
             <a:endParaRPr lang="zh-CN" altLang="en-US"/>
           </a:p>
@@ -1832,6 +1807,7 @@
           <a:p>
             <a:fld id="{565CE74E-AB26-4998-AD42-012C4C1AD076}" type="slidenum">
               <a:rPr lang="zh-CN" altLang="en-US" smtClean="0"/>
+              <a:t>‹#›</a:t>
             </a:fld>
             <a:endParaRPr lang="zh-CN" altLang="en-US"/>
           </a:p>
@@ -1890,7 +1866,6 @@
               <a:rPr lang="zh-CN" altLang="en-US"/>
               <a:t>单击此处编辑母版标题样式</a:t>
             </a:r>
-            <a:endParaRPr lang="zh-CN" altLang="en-US"/>
           </a:p>
         </p:txBody>
       </p:sp>
@@ -1947,7 +1922,6 @@
               <a:rPr lang="zh-CN" altLang="en-US"/>
               <a:t>单击此处编辑母版文本样式</a:t>
             </a:r>
-            <a:endParaRPr lang="zh-CN" altLang="en-US"/>
           </a:p>
           <a:p>
             <a:pPr lvl="1"/>
@@ -1955,7 +1929,6 @@
               <a:rPr lang="zh-CN" altLang="en-US"/>
               <a:t>第二级</a:t>
             </a:r>
-            <a:endParaRPr lang="zh-CN" altLang="en-US"/>
           </a:p>
           <a:p>
             <a:pPr lvl="2"/>
@@ -1963,7 +1936,6 @@
               <a:rPr lang="zh-CN" altLang="en-US"/>
               <a:t>第三级</a:t>
             </a:r>
-            <a:endParaRPr lang="zh-CN" altLang="en-US"/>
           </a:p>
           <a:p>
             <a:pPr lvl="3"/>
@@ -1971,7 +1943,6 @@
               <a:rPr lang="zh-CN" altLang="en-US"/>
               <a:t>第四级</a:t>
             </a:r>
-            <a:endParaRPr lang="zh-CN" altLang="en-US"/>
           </a:p>
           <a:p>
             <a:pPr lvl="4"/>
@@ -1979,7 +1950,6 @@
               <a:rPr lang="zh-CN" altLang="en-US"/>
               <a:t>第五级</a:t>
             </a:r>
-            <a:endParaRPr lang="zh-CN" altLang="en-US"/>
           </a:p>
         </p:txBody>
       </p:sp>
@@ -2045,7 +2015,6 @@
               <a:rPr lang="zh-CN" altLang="en-US"/>
               <a:t>单击此处编辑母版文本样式</a:t>
             </a:r>
-            <a:endParaRPr lang="zh-CN" altLang="en-US"/>
           </a:p>
         </p:txBody>
       </p:sp>
@@ -2066,6 +2035,7 @@
           <a:p>
             <a:fld id="{D997B5FA-0921-464F-AAE1-844C04324D75}" type="datetimeFigureOut">
               <a:rPr lang="zh-CN" altLang="en-US" smtClean="0"/>
+              <a:t>2022/3/13</a:t>
             </a:fld>
             <a:endParaRPr lang="zh-CN" altLang="en-US"/>
           </a:p>
@@ -2107,6 +2077,7 @@
           <a:p>
             <a:fld id="{565CE74E-AB26-4998-AD42-012C4C1AD076}" type="slidenum">
               <a:rPr lang="zh-CN" altLang="en-US" smtClean="0"/>
+              <a:t>‹#›</a:t>
             </a:fld>
             <a:endParaRPr lang="zh-CN" altLang="en-US"/>
           </a:p>
@@ -2165,7 +2136,6 @@
               <a:rPr lang="zh-CN" altLang="en-US"/>
               <a:t>单击此处编辑母版标题样式</a:t>
             </a:r>
-            <a:endParaRPr lang="zh-CN" altLang="en-US"/>
           </a:p>
         </p:txBody>
       </p:sp>
@@ -2292,7 +2262,6 @@
               <a:rPr lang="zh-CN" altLang="en-US"/>
               <a:t>单击此处编辑母版文本样式</a:t>
             </a:r>
-            <a:endParaRPr lang="zh-CN" altLang="en-US"/>
           </a:p>
         </p:txBody>
       </p:sp>
@@ -2313,6 +2282,7 @@
           <a:p>
             <a:fld id="{D997B5FA-0921-464F-AAE1-844C04324D75}" type="datetimeFigureOut">
               <a:rPr lang="zh-CN" altLang="en-US" smtClean="0"/>
+              <a:t>2022/3/13</a:t>
             </a:fld>
             <a:endParaRPr lang="zh-CN" altLang="en-US"/>
           </a:p>
@@ -2354,6 +2324,7 @@
           <a:p>
             <a:fld id="{565CE74E-AB26-4998-AD42-012C4C1AD076}" type="slidenum">
               <a:rPr lang="zh-CN" altLang="en-US" smtClean="0"/>
+              <a:t>‹#›</a:t>
             </a:fld>
             <a:endParaRPr lang="zh-CN" altLang="en-US"/>
           </a:p>
@@ -2418,7 +2389,6 @@
               <a:rPr lang="zh-CN" altLang="en-US"/>
               <a:t>单击此处编辑母版标题样式</a:t>
             </a:r>
-            <a:endParaRPr lang="zh-CN" altLang="en-US"/>
           </a:p>
         </p:txBody>
       </p:sp>
@@ -2452,7 +2422,6 @@
               <a:rPr lang="zh-CN" altLang="en-US"/>
               <a:t>单击此处编辑母版文本样式</a:t>
             </a:r>
-            <a:endParaRPr lang="zh-CN" altLang="en-US"/>
           </a:p>
           <a:p>
             <a:pPr lvl="1"/>
@@ -2460,7 +2429,6 @@
               <a:rPr lang="zh-CN" altLang="en-US"/>
               <a:t>第二级</a:t>
             </a:r>
-            <a:endParaRPr lang="zh-CN" altLang="en-US"/>
           </a:p>
           <a:p>
             <a:pPr lvl="2"/>
@@ -2468,7 +2436,6 @@
               <a:rPr lang="zh-CN" altLang="en-US"/>
               <a:t>第三级</a:t>
             </a:r>
-            <a:endParaRPr lang="zh-CN" altLang="en-US"/>
           </a:p>
           <a:p>
             <a:pPr lvl="3"/>
@@ -2476,7 +2443,6 @@
               <a:rPr lang="zh-CN" altLang="en-US"/>
               <a:t>第四级</a:t>
             </a:r>
-            <a:endParaRPr lang="zh-CN" altLang="en-US"/>
           </a:p>
           <a:p>
             <a:pPr lvl="4"/>
@@ -2484,7 +2450,6 @@
               <a:rPr lang="zh-CN" altLang="en-US"/>
               <a:t>第五级</a:t>
             </a:r>
-            <a:endParaRPr lang="zh-CN" altLang="en-US"/>
           </a:p>
         </p:txBody>
       </p:sp>
@@ -2523,6 +2488,7 @@
           <a:p>
             <a:fld id="{D997B5FA-0921-464F-AAE1-844C04324D75}" type="datetimeFigureOut">
               <a:rPr lang="zh-CN" altLang="en-US" smtClean="0"/>
+              <a:t>2022/3/13</a:t>
             </a:fld>
             <a:endParaRPr lang="zh-CN" altLang="en-US"/>
           </a:p>
@@ -2600,6 +2566,7 @@
           <a:p>
             <a:fld id="{565CE74E-AB26-4998-AD42-012C4C1AD076}" type="slidenum">
               <a:rPr lang="zh-CN" altLang="en-US" smtClean="0"/>
+              <a:t>‹#›</a:t>
             </a:fld>
             <a:endParaRPr lang="zh-CN" altLang="en-US"/>
           </a:p>
@@ -4161,11 +4128,6 @@
               </a:rPr>
               <a:t>大规模无标注测试数据</a:t>
             </a:r>
-            <a:endParaRPr lang="zh-CN" altLang="en-US" sz="1400" dirty="0">
-              <a:latin typeface="宋体" panose="02010600030101010101" pitchFamily="2" charset="-122"/>
-              <a:ea typeface="宋体" panose="02010600030101010101" pitchFamily="2" charset="-122"/>
-              <a:cs typeface="宋体" panose="02010600030101010101" pitchFamily="2" charset="-122"/>
-            </a:endParaRPr>
           </a:p>
         </p:txBody>
       </p:sp>
@@ -4200,11 +4162,6 @@
               </a:rPr>
               <a:t>可解释蒸馏模型</a:t>
             </a:r>
-            <a:endParaRPr lang="zh-CN" altLang="en-US" sz="1400" dirty="0">
-              <a:latin typeface="宋体" panose="02010600030101010101" pitchFamily="2" charset="-122"/>
-              <a:ea typeface="宋体" panose="02010600030101010101" pitchFamily="2" charset="-122"/>
-              <a:sym typeface="+mn-ea"/>
-            </a:endParaRPr>
           </a:p>
         </p:txBody>
       </p:sp>
@@ -4227,7 +4184,13 @@
                 <a:tableStyleId>{5940675A-B579-460E-94D1-54222C63F5DA}</a:tableStyleId>
               </a:tblPr>
               <a:tblGrid>
-                <a:gridCol w="719455"/>
+                <a:gridCol w="719455">
+                  <a:extLst>
+                    <a:ext uri="{9D8B030D-6E8A-4147-A177-3AD203B41FA5}">
+                      <a16:colId xmlns:a16="http://schemas.microsoft.com/office/drawing/2014/main" val="20000"/>
+                    </a:ext>
+                  </a:extLst>
+                </a:gridCol>
               </a:tblGrid>
               <a:tr h="0">
                 <a:tc>
@@ -4247,6 +4210,11 @@
                     </a:solidFill>
                   </a:tcPr>
                 </a:tc>
+                <a:extLst>
+                  <a:ext uri="{0D108BD9-81ED-4DB2-BD59-A6C34878D82A}">
+                    <a16:rowId xmlns:a16="http://schemas.microsoft.com/office/drawing/2014/main" val="10000"/>
+                  </a:ext>
+                </a:extLst>
               </a:tr>
               <a:tr h="0">
                 <a:tc>
@@ -4266,6 +4234,11 @@
                     </a:solidFill>
                   </a:tcPr>
                 </a:tc>
+                <a:extLst>
+                  <a:ext uri="{0D108BD9-81ED-4DB2-BD59-A6C34878D82A}">
+                    <a16:rowId xmlns:a16="http://schemas.microsoft.com/office/drawing/2014/main" val="10001"/>
+                  </a:ext>
+                </a:extLst>
               </a:tr>
               <a:tr h="0">
                 <a:tc>
@@ -4285,6 +4258,11 @@
                     </a:solidFill>
                   </a:tcPr>
                 </a:tc>
+                <a:extLst>
+                  <a:ext uri="{0D108BD9-81ED-4DB2-BD59-A6C34878D82A}">
+                    <a16:rowId xmlns:a16="http://schemas.microsoft.com/office/drawing/2014/main" val="10002"/>
+                  </a:ext>
+                </a:extLst>
               </a:tr>
               <a:tr h="0">
                 <a:tc>
@@ -4304,6 +4282,11 @@
                     </a:solidFill>
                   </a:tcPr>
                 </a:tc>
+                <a:extLst>
+                  <a:ext uri="{0D108BD9-81ED-4DB2-BD59-A6C34878D82A}">
+                    <a16:rowId xmlns:a16="http://schemas.microsoft.com/office/drawing/2014/main" val="10003"/>
+                  </a:ext>
+                </a:extLst>
               </a:tr>
             </a:tbl>
           </a:graphicData>
@@ -4514,14 +4497,6 @@
               </a:rPr>
               <a:t>a</a:t>
             </a:r>
-            <a:endParaRPr lang="en-US" altLang="zh-CN" sz="1200" i="1">
-              <a:solidFill>
-                <a:schemeClr val="tx1"/>
-              </a:solidFill>
-              <a:latin typeface="Times New Roman" panose="02020603050405020304" charset="0"/>
-              <a:ea typeface="宋体" panose="02010600030101010101" pitchFamily="2" charset="-122"/>
-              <a:cs typeface="Times New Roman" panose="02020603050405020304" charset="0"/>
-            </a:endParaRPr>
           </a:p>
         </p:txBody>
       </p:sp>
@@ -4679,13 +4654,6 @@
               </a:rPr>
               <a:t>b</a:t>
             </a:r>
-            <a:endParaRPr lang="en-US" altLang="zh-CN" sz="1200" i="1">
-              <a:solidFill>
-                <a:schemeClr val="tx1"/>
-              </a:solidFill>
-              <a:latin typeface="Times New Roman" panose="02020603050405020304" charset="0"/>
-              <a:cs typeface="Times New Roman" panose="02020603050405020304" charset="0"/>
-            </a:endParaRPr>
           </a:p>
         </p:txBody>
       </p:sp>
@@ -4843,13 +4811,6 @@
               </a:rPr>
               <a:t>c</a:t>
             </a:r>
-            <a:endParaRPr lang="en-US" altLang="zh-CN" sz="1200" i="1">
-              <a:solidFill>
-                <a:schemeClr val="tx1"/>
-              </a:solidFill>
-              <a:latin typeface="Times New Roman" panose="02020603050405020304" charset="0"/>
-              <a:cs typeface="Times New Roman" panose="02020603050405020304" charset="0"/>
-            </a:endParaRPr>
           </a:p>
         </p:txBody>
       </p:sp>
@@ -5007,13 +4968,6 @@
               </a:rPr>
               <a:t>e</a:t>
             </a:r>
-            <a:endParaRPr lang="en-US" altLang="zh-CN" sz="1200" i="1">
-              <a:solidFill>
-                <a:schemeClr val="tx1"/>
-              </a:solidFill>
-              <a:latin typeface="Times New Roman" panose="02020603050405020304" charset="0"/>
-              <a:cs typeface="Times New Roman" panose="02020603050405020304" charset="0"/>
-            </a:endParaRPr>
           </a:p>
         </p:txBody>
       </p:sp>
@@ -5171,13 +5125,6 @@
               </a:rPr>
               <a:t>g</a:t>
             </a:r>
-            <a:endParaRPr lang="en-US" altLang="zh-CN" sz="1200" i="1">
-              <a:solidFill>
-                <a:schemeClr val="tx1"/>
-              </a:solidFill>
-              <a:latin typeface="Times New Roman" panose="02020603050405020304" charset="0"/>
-              <a:cs typeface="Times New Roman" panose="02020603050405020304" charset="0"/>
-            </a:endParaRPr>
           </a:p>
         </p:txBody>
       </p:sp>
@@ -5333,13 +5280,6 @@
               </a:rPr>
               <a:t>d</a:t>
             </a:r>
-            <a:endParaRPr lang="en-US" altLang="zh-CN" sz="1200" i="1">
-              <a:solidFill>
-                <a:schemeClr val="tx1"/>
-              </a:solidFill>
-              <a:latin typeface="Times New Roman" panose="02020603050405020304" charset="0"/>
-              <a:cs typeface="Times New Roman" panose="02020603050405020304" charset="0"/>
-            </a:endParaRPr>
           </a:p>
         </p:txBody>
       </p:sp>
@@ -5495,13 +5435,6 @@
               </a:rPr>
               <a:t>f</a:t>
             </a:r>
-            <a:endParaRPr lang="en-US" altLang="zh-CN" sz="1200" i="1">
-              <a:solidFill>
-                <a:schemeClr val="tx1"/>
-              </a:solidFill>
-              <a:latin typeface="Times New Roman" panose="02020603050405020304" charset="0"/>
-              <a:cs typeface="Times New Roman" panose="02020603050405020304" charset="0"/>
-            </a:endParaRPr>
           </a:p>
         </p:txBody>
       </p:sp>
@@ -5657,13 +5590,6 @@
               </a:rPr>
               <a:t>h</a:t>
             </a:r>
-            <a:endParaRPr lang="en-US" altLang="zh-CN" sz="1200" i="1">
-              <a:solidFill>
-                <a:schemeClr val="tx1"/>
-              </a:solidFill>
-              <a:latin typeface="Times New Roman" panose="02020603050405020304" charset="0"/>
-              <a:cs typeface="Times New Roman" panose="02020603050405020304" charset="0"/>
-            </a:endParaRPr>
           </a:p>
         </p:txBody>
       </p:sp>
@@ -5819,13 +5745,6 @@
               </a:rPr>
               <a:t>i</a:t>
             </a:r>
-            <a:endParaRPr lang="en-US" altLang="zh-CN" sz="1200" i="1">
-              <a:solidFill>
-                <a:schemeClr val="tx1"/>
-              </a:solidFill>
-              <a:latin typeface="Times New Roman" panose="02020603050405020304" charset="0"/>
-              <a:cs typeface="Times New Roman" panose="02020603050405020304" charset="0"/>
-            </a:endParaRPr>
           </a:p>
         </p:txBody>
       </p:sp>
@@ -5981,13 +5900,6 @@
               </a:rPr>
               <a:t>j</a:t>
             </a:r>
-            <a:endParaRPr lang="en-US" altLang="zh-CN" sz="1200" i="1">
-              <a:solidFill>
-                <a:schemeClr val="tx1"/>
-              </a:solidFill>
-              <a:latin typeface="Times New Roman" panose="02020603050405020304" charset="0"/>
-              <a:cs typeface="Times New Roman" panose="02020603050405020304" charset="0"/>
-            </a:endParaRPr>
           </a:p>
         </p:txBody>
       </p:sp>
@@ -6143,13 +6055,6 @@
               </a:rPr>
               <a:t>k</a:t>
             </a:r>
-            <a:endParaRPr lang="en-US" altLang="zh-CN" sz="1200" i="1">
-              <a:solidFill>
-                <a:schemeClr val="tx1"/>
-              </a:solidFill>
-              <a:latin typeface="Times New Roman" panose="02020603050405020304" charset="0"/>
-              <a:cs typeface="Times New Roman" panose="02020603050405020304" charset="0"/>
-            </a:endParaRPr>
           </a:p>
         </p:txBody>
       </p:sp>
@@ -6753,14 +6658,6 @@
                 </a:rPr>
                 <a:t>a</a:t>
               </a:r>
-              <a:endParaRPr lang="en-US" altLang="zh-CN" sz="1200" i="1" dirty="0">
-                <a:solidFill>
-                  <a:schemeClr val="tx1"/>
-                </a:solidFill>
-                <a:latin typeface="Times New Roman" panose="02020603050405020304" charset="0"/>
-                <a:ea typeface="宋体" panose="02010600030101010101" pitchFamily="2" charset="-122"/>
-                <a:cs typeface="Times New Roman" panose="02020603050405020304" charset="0"/>
-              </a:endParaRPr>
             </a:p>
           </p:txBody>
         </p:sp>
@@ -6918,13 +6815,6 @@
                 </a:rPr>
                 <a:t>b</a:t>
               </a:r>
-              <a:endParaRPr lang="en-US" altLang="zh-CN" sz="1200" i="1">
-                <a:solidFill>
-                  <a:schemeClr val="tx1"/>
-                </a:solidFill>
-                <a:latin typeface="Times New Roman" panose="02020603050405020304" charset="0"/>
-                <a:cs typeface="Times New Roman" panose="02020603050405020304" charset="0"/>
-              </a:endParaRPr>
             </a:p>
           </p:txBody>
         </p:sp>
@@ -7082,13 +6972,6 @@
                 </a:rPr>
                 <a:t>e</a:t>
               </a:r>
-              <a:endParaRPr lang="en-US" altLang="zh-CN" sz="1200" i="1">
-                <a:solidFill>
-                  <a:schemeClr val="tx1"/>
-                </a:solidFill>
-                <a:latin typeface="Times New Roman" panose="02020603050405020304" charset="0"/>
-                <a:cs typeface="Times New Roman" panose="02020603050405020304" charset="0"/>
-              </a:endParaRPr>
             </a:p>
           </p:txBody>
         </p:sp>
@@ -7244,13 +7127,6 @@
                 </a:rPr>
                 <a:t>i</a:t>
               </a:r>
-              <a:endParaRPr lang="en-US" altLang="zh-CN" sz="1200" i="1">
-                <a:solidFill>
-                  <a:schemeClr val="tx1"/>
-                </a:solidFill>
-                <a:latin typeface="Times New Roman" panose="02020603050405020304" charset="0"/>
-                <a:cs typeface="Times New Roman" panose="02020603050405020304" charset="0"/>
-              </a:endParaRPr>
             </a:p>
           </p:txBody>
         </p:sp>
@@ -7546,14 +7422,6 @@
                 </a:rPr>
                 <a:t>a</a:t>
               </a:r>
-              <a:endParaRPr lang="en-US" altLang="zh-CN" sz="1200" i="1">
-                <a:solidFill>
-                  <a:schemeClr val="tx1"/>
-                </a:solidFill>
-                <a:latin typeface="Times New Roman" panose="02020603050405020304" charset="0"/>
-                <a:ea typeface="宋体" panose="02010600030101010101" pitchFamily="2" charset="-122"/>
-                <a:cs typeface="Times New Roman" panose="02020603050405020304" charset="0"/>
-              </a:endParaRPr>
             </a:p>
           </p:txBody>
         </p:sp>
@@ -7711,13 +7579,6 @@
                 </a:rPr>
                 <a:t>c</a:t>
               </a:r>
-              <a:endParaRPr lang="en-US" altLang="zh-CN" sz="1200" i="1" dirty="0">
-                <a:solidFill>
-                  <a:schemeClr val="tx1"/>
-                </a:solidFill>
-                <a:latin typeface="Times New Roman" panose="02020603050405020304" charset="0"/>
-                <a:cs typeface="Times New Roman" panose="02020603050405020304" charset="0"/>
-              </a:endParaRPr>
             </a:p>
           </p:txBody>
         </p:sp>
@@ -7873,13 +7734,6 @@
                 </a:rPr>
                 <a:t>f</a:t>
               </a:r>
-              <a:endParaRPr lang="en-US" altLang="zh-CN" sz="1200" i="1">
-                <a:solidFill>
-                  <a:schemeClr val="tx1"/>
-                </a:solidFill>
-                <a:latin typeface="Times New Roman" panose="02020603050405020304" charset="0"/>
-                <a:cs typeface="Times New Roman" panose="02020603050405020304" charset="0"/>
-              </a:endParaRPr>
             </a:p>
           </p:txBody>
         </p:sp>
@@ -7989,7 +7843,13 @@
                 <a:tableStyleId>{5940675A-B579-460E-94D1-54222C63F5DA}</a:tableStyleId>
               </a:tblPr>
               <a:tblGrid>
-                <a:gridCol w="719455"/>
+                <a:gridCol w="719455">
+                  <a:extLst>
+                    <a:ext uri="{9D8B030D-6E8A-4147-A177-3AD203B41FA5}">
+                      <a16:colId xmlns:a16="http://schemas.microsoft.com/office/drawing/2014/main" val="20000"/>
+                    </a:ext>
+                  </a:extLst>
+                </a:gridCol>
               </a:tblGrid>
               <a:tr h="0">
                 <a:tc>
@@ -8009,6 +7869,11 @@
                     </a:solidFill>
                   </a:tcPr>
                 </a:tc>
+                <a:extLst>
+                  <a:ext uri="{0D108BD9-81ED-4DB2-BD59-A6C34878D82A}">
+                    <a16:rowId xmlns:a16="http://schemas.microsoft.com/office/drawing/2014/main" val="10000"/>
+                  </a:ext>
+                </a:extLst>
               </a:tr>
               <a:tr h="0">
                 <a:tc>
@@ -8028,6 +7893,11 @@
                     </a:solidFill>
                   </a:tcPr>
                 </a:tc>
+                <a:extLst>
+                  <a:ext uri="{0D108BD9-81ED-4DB2-BD59-A6C34878D82A}">
+                    <a16:rowId xmlns:a16="http://schemas.microsoft.com/office/drawing/2014/main" val="10001"/>
+                  </a:ext>
+                </a:extLst>
               </a:tr>
               <a:tr h="0">
                 <a:tc>
@@ -8047,6 +7917,11 @@
                     </a:solidFill>
                   </a:tcPr>
                 </a:tc>
+                <a:extLst>
+                  <a:ext uri="{0D108BD9-81ED-4DB2-BD59-A6C34878D82A}">
+                    <a16:rowId xmlns:a16="http://schemas.microsoft.com/office/drawing/2014/main" val="10002"/>
+                  </a:ext>
+                </a:extLst>
               </a:tr>
               <a:tr h="0">
                 <a:tc>
@@ -8066,6 +7941,11 @@
                     </a:solidFill>
                   </a:tcPr>
                 </a:tc>
+                <a:extLst>
+                  <a:ext uri="{0D108BD9-81ED-4DB2-BD59-A6C34878D82A}">
+                    <a16:rowId xmlns:a16="http://schemas.microsoft.com/office/drawing/2014/main" val="10003"/>
+                  </a:ext>
+                </a:extLst>
               </a:tr>
             </a:tbl>
           </a:graphicData>
@@ -8102,11 +7982,6 @@
               </a:rPr>
               <a:t>样本表示</a:t>
             </a:r>
-            <a:endParaRPr lang="zh-CN" altLang="en-US" sz="1400" dirty="0">
-              <a:latin typeface="宋体" panose="02010600030101010101" pitchFamily="2" charset="-122"/>
-              <a:ea typeface="宋体" panose="02010600030101010101" pitchFamily="2" charset="-122"/>
-              <a:sym typeface="+mn-ea"/>
-            </a:endParaRPr>
           </a:p>
         </p:txBody>
       </p:sp>
@@ -8119,10 +7994,10 @@
           <p:nvPr/>
         </p:nvPicPr>
         <p:blipFill>
-          <a:blip r:embed="rId1">
+          <a:blip r:embed="rId2">
             <a:extLst>
               <a:ext uri="{96DAC541-7B7A-43D3-8B79-37D633B846F1}">
-                <asvg:svgBlip xmlns:asvg="http://schemas.microsoft.com/office/drawing/2016/SVG/main" r:embed="rId2"/>
+                <asvg:svgBlip xmlns:asvg="http://schemas.microsoft.com/office/drawing/2016/SVG/main" r:embed="rId3"/>
               </a:ext>
             </a:extLst>
           </a:blip>
@@ -8256,8 +8131,8 @@
           </a:p>
         </p:txBody>
       </p:sp>
-      <mc:AlternateContent xmlns:mc="http://schemas.openxmlformats.org/markup-compatibility/2006">
-        <mc:Choice xmlns:a14="http://schemas.microsoft.com/office/drawing/2010/main" Requires="a14">
+      <mc:AlternateContent xmlns:mc="http://schemas.openxmlformats.org/markup-compatibility/2006" xmlns:a14="http://schemas.microsoft.com/office/drawing/2010/main">
+        <mc:Choice Requires="a14">
           <p:sp>
             <p:nvSpPr>
               <p:cNvPr id="3" name="文本框 2"/>
@@ -8326,7 +8201,7 @@
             </p:txBody>
           </p:sp>
         </mc:Choice>
-        <mc:Fallback>
+        <mc:Fallback xmlns="">
           <p:sp>
             <p:nvSpPr>
               <p:cNvPr id="3" name="文本框 2"/>
@@ -8344,7 +8219,7 @@
                 <a:avLst/>
               </a:prstGeom>
               <a:blipFill rotWithShape="1">
-                <a:blip r:embed="rId3"/>
+                <a:blip r:embed="rId4"/>
                 <a:stretch>
                   <a:fillRect l="-139" t="-83" r="139" b="83"/>
                 </a:stretch>
@@ -8365,8 +8240,8 @@
           </p:sp>
         </mc:Fallback>
       </mc:AlternateContent>
-      <mc:AlternateContent xmlns:mc="http://schemas.openxmlformats.org/markup-compatibility/2006">
-        <mc:Choice xmlns:a14="http://schemas.microsoft.com/office/drawing/2010/main" Requires="a14">
+      <mc:AlternateContent xmlns:mc="http://schemas.openxmlformats.org/markup-compatibility/2006" xmlns:a14="http://schemas.microsoft.com/office/drawing/2010/main">
+        <mc:Choice Requires="a14">
           <p:sp>
             <p:nvSpPr>
               <p:cNvPr id="43" name="文本框 42"/>
@@ -8435,7 +8310,7 @@
             </p:txBody>
           </p:sp>
         </mc:Choice>
-        <mc:Fallback>
+        <mc:Fallback xmlns="">
           <p:sp>
             <p:nvSpPr>
               <p:cNvPr id="43" name="文本框 42"/>
@@ -8453,7 +8328,7 @@
                 <a:avLst/>
               </a:prstGeom>
               <a:blipFill rotWithShape="1">
-                <a:blip r:embed="rId4"/>
+                <a:blip r:embed="rId5"/>
                 <a:stretch>
                   <a:fillRect l="-40" t="-81" r="40" b="81"/>
                 </a:stretch>
@@ -8703,11 +8578,6 @@
               </a:rPr>
               <a:t>测试集生成</a:t>
             </a:r>
-            <a:endParaRPr lang="zh-CN" altLang="en-US" sz="1400" dirty="0">
-              <a:latin typeface="宋体" panose="02010600030101010101" pitchFamily="2" charset="-122"/>
-              <a:ea typeface="宋体" panose="02010600030101010101" pitchFamily="2" charset="-122"/>
-              <a:sym typeface="+mn-ea"/>
-            </a:endParaRPr>
           </a:p>
         </p:txBody>
       </p:sp>
@@ -8756,11 +8626,6 @@
                 </a:rPr>
                 <a:t>模型性能</a:t>
               </a:r>
-              <a:endParaRPr lang="zh-CN" altLang="en-US" sz="1200" dirty="0">
-                <a:latin typeface="楷体" panose="02010609060101010101" charset="-122"/>
-                <a:ea typeface="楷体" panose="02010609060101010101" charset="-122"/>
-                <a:cs typeface="楷体" panose="02010609060101010101" charset="-122"/>
-              </a:endParaRPr>
             </a:p>
           </p:txBody>
         </p:sp>
@@ -10974,7 +10839,7 @@
             <p:nvPr/>
           </p:nvPicPr>
           <p:blipFill>
-            <a:blip r:embed="rId5"/>
+            <a:blip r:embed="rId6"/>
             <a:stretch>
               <a:fillRect/>
             </a:stretch>
@@ -11019,10 +10884,6 @@
                 </a:rPr>
                 <a:t>测试充分性</a:t>
               </a:r>
-              <a:endParaRPr lang="zh-CN" altLang="en-US" sz="1200" dirty="0">
-                <a:latin typeface="楷体" panose="02010609060101010101" charset="-122"/>
-                <a:ea typeface="楷体" panose="02010609060101010101" charset="-122"/>
-              </a:endParaRPr>
             </a:p>
           </p:txBody>
         </p:sp>
@@ -11724,10 +11585,6 @@
               </a:rPr>
               <a:t>代表性测试数据</a:t>
             </a:r>
-            <a:endParaRPr lang="zh-CN" altLang="en-US" sz="1200" dirty="0">
-              <a:latin typeface="楷体" panose="02010609060101010101" charset="-122"/>
-              <a:ea typeface="楷体" panose="02010609060101010101" charset="-122"/>
-            </a:endParaRPr>
           </a:p>
         </p:txBody>
       </p:sp>
@@ -11848,11 +11705,6 @@
               </a:rPr>
               <a:t>测试结果反馈</a:t>
             </a:r>
-            <a:endParaRPr lang="zh-CN" altLang="en-US" sz="1400" dirty="0">
-              <a:latin typeface="楷体" panose="02010609060101010101" charset="-122"/>
-              <a:ea typeface="楷体" panose="02010609060101010101" charset="-122"/>
-              <a:sym typeface="+mn-ea"/>
-            </a:endParaRPr>
           </a:p>
         </p:txBody>
       </p:sp>
@@ -11865,10 +11717,10 @@
           <p:nvPr/>
         </p:nvPicPr>
         <p:blipFill>
-          <a:blip r:embed="rId6">
+          <a:blip r:embed="rId7">
             <a:extLst>
               <a:ext uri="{96DAC541-7B7A-43D3-8B79-37D633B846F1}">
-                <asvg:svgBlip xmlns:asvg="http://schemas.microsoft.com/office/drawing/2016/SVG/main" r:embed="rId7"/>
+                <asvg:svgBlip xmlns:asvg="http://schemas.microsoft.com/office/drawing/2016/SVG/main" r:embed="rId8"/>
               </a:ext>
             </a:extLst>
           </a:blip>
@@ -12270,6 +12122,8 @@
       </a:bgFillStyleLst>
     </a:fmtScheme>
   </a:themeElements>
+  <a:objectDefaults/>
+  <a:extraClrSchemeLst/>
   <a:extLst>
     <a:ext uri="{05A4C25C-085E-4340-85A3-A5531E510DB2}">
       <thm15:themeFamily xmlns:thm15="http://schemas.microsoft.com/office/thememl/2012/main" name="Office Theme" id="{62F939B6-93AF-4DB8-9C6B-D6C7DFDC589F}" vid="{4A3C46E8-61CC-4603-A589-7422A47A8E4A}"/>
